--- a/Synthetic Chemistry/OSA Synth Update.pptx
+++ b/Synthetic Chemistry/OSA Synth Update.pptx
@@ -9,6 +9,15 @@
     <p:sldId id="257" r:id="rId3"/>
     <p:sldId id="258" r:id="rId4"/>
     <p:sldId id="259" r:id="rId5"/>
+    <p:sldId id="260" r:id="rId6"/>
+    <p:sldId id="261" r:id="rId7"/>
+    <p:sldId id="262" r:id="rId8"/>
+    <p:sldId id="263" r:id="rId9"/>
+    <p:sldId id="264" r:id="rId10"/>
+    <p:sldId id="267" r:id="rId11"/>
+    <p:sldId id="266" r:id="rId12"/>
+    <p:sldId id="265" r:id="rId13"/>
+    <p:sldId id="268" r:id="rId14"/>
   </p:sldIdLst>
   <p:sldSz cx="12192000" cy="6858000"/>
   <p:notesSz cx="6858000" cy="9144000"/>
@@ -262,7 +271,7 @@
           <a:p>
             <a:fld id="{276F8A38-AEBB-44D1-9053-EE5D6F23CD64}" type="datetimeFigureOut">
               <a:rPr lang="en-US" smtClean="0"/>
-              <a:t>8/21/20</a:t>
+              <a:t>9/18/20</a:t>
             </a:fld>
             <a:endParaRPr lang="en-US"/>
           </a:p>
@@ -460,7 +469,7 @@
           <a:p>
             <a:fld id="{276F8A38-AEBB-44D1-9053-EE5D6F23CD64}" type="datetimeFigureOut">
               <a:rPr lang="en-US" smtClean="0"/>
-              <a:t>8/21/20</a:t>
+              <a:t>9/18/20</a:t>
             </a:fld>
             <a:endParaRPr lang="en-US"/>
           </a:p>
@@ -668,7 +677,7 @@
           <a:p>
             <a:fld id="{276F8A38-AEBB-44D1-9053-EE5D6F23CD64}" type="datetimeFigureOut">
               <a:rPr lang="en-US" smtClean="0"/>
-              <a:t>8/21/20</a:t>
+              <a:t>9/18/20</a:t>
             </a:fld>
             <a:endParaRPr lang="en-US"/>
           </a:p>
@@ -866,7 +875,7 @@
           <a:p>
             <a:fld id="{276F8A38-AEBB-44D1-9053-EE5D6F23CD64}" type="datetimeFigureOut">
               <a:rPr lang="en-US" smtClean="0"/>
-              <a:t>8/21/20</a:t>
+              <a:t>9/18/20</a:t>
             </a:fld>
             <a:endParaRPr lang="en-US"/>
           </a:p>
@@ -1141,7 +1150,7 @@
           <a:p>
             <a:fld id="{276F8A38-AEBB-44D1-9053-EE5D6F23CD64}" type="datetimeFigureOut">
               <a:rPr lang="en-US" smtClean="0"/>
-              <a:t>8/21/20</a:t>
+              <a:t>9/18/20</a:t>
             </a:fld>
             <a:endParaRPr lang="en-US"/>
           </a:p>
@@ -1406,7 +1415,7 @@
           <a:p>
             <a:fld id="{276F8A38-AEBB-44D1-9053-EE5D6F23CD64}" type="datetimeFigureOut">
               <a:rPr lang="en-US" smtClean="0"/>
-              <a:t>8/21/20</a:t>
+              <a:t>9/18/20</a:t>
             </a:fld>
             <a:endParaRPr lang="en-US"/>
           </a:p>
@@ -1818,7 +1827,7 @@
           <a:p>
             <a:fld id="{276F8A38-AEBB-44D1-9053-EE5D6F23CD64}" type="datetimeFigureOut">
               <a:rPr lang="en-US" smtClean="0"/>
-              <a:t>8/21/20</a:t>
+              <a:t>9/18/20</a:t>
             </a:fld>
             <a:endParaRPr lang="en-US"/>
           </a:p>
@@ -1959,7 +1968,7 @@
           <a:p>
             <a:fld id="{276F8A38-AEBB-44D1-9053-EE5D6F23CD64}" type="datetimeFigureOut">
               <a:rPr lang="en-US" smtClean="0"/>
-              <a:t>8/21/20</a:t>
+              <a:t>9/18/20</a:t>
             </a:fld>
             <a:endParaRPr lang="en-US"/>
           </a:p>
@@ -2072,7 +2081,7 @@
           <a:p>
             <a:fld id="{276F8A38-AEBB-44D1-9053-EE5D6F23CD64}" type="datetimeFigureOut">
               <a:rPr lang="en-US" smtClean="0"/>
-              <a:t>8/21/20</a:t>
+              <a:t>9/18/20</a:t>
             </a:fld>
             <a:endParaRPr lang="en-US"/>
           </a:p>
@@ -2383,7 +2392,7 @@
           <a:p>
             <a:fld id="{276F8A38-AEBB-44D1-9053-EE5D6F23CD64}" type="datetimeFigureOut">
               <a:rPr lang="en-US" smtClean="0"/>
-              <a:t>8/21/20</a:t>
+              <a:t>9/18/20</a:t>
             </a:fld>
             <a:endParaRPr lang="en-US"/>
           </a:p>
@@ -2671,7 +2680,7 @@
           <a:p>
             <a:fld id="{276F8A38-AEBB-44D1-9053-EE5D6F23CD64}" type="datetimeFigureOut">
               <a:rPr lang="en-US" smtClean="0"/>
-              <a:t>8/21/20</a:t>
+              <a:t>9/18/20</a:t>
             </a:fld>
             <a:endParaRPr lang="en-US"/>
           </a:p>
@@ -2912,7 +2921,7 @@
           <a:p>
             <a:fld id="{276F8A38-AEBB-44D1-9053-EE5D6F23CD64}" type="datetimeFigureOut">
               <a:rPr lang="en-US" smtClean="0"/>
-              <a:t>8/21/20</a:t>
+              <a:t>9/18/20</a:t>
             </a:fld>
             <a:endParaRPr lang="en-US"/>
           </a:p>
@@ -3451,6 +3460,1696 @@
 </p:sld>
 </file>
 
+<file path=ppt/slides/slide10.xml><?xml version="1.0" encoding="utf-8"?>
+<p:sld xmlns:a="http://schemas.openxmlformats.org/drawingml/2006/main" xmlns:r="http://schemas.openxmlformats.org/officeDocument/2006/relationships" xmlns:p="http://schemas.openxmlformats.org/presentationml/2006/main">
+  <p:cSld>
+    <p:spTree>
+      <p:nvGrpSpPr>
+        <p:cNvPr id="1" name=""/>
+        <p:cNvGrpSpPr/>
+        <p:nvPr/>
+      </p:nvGrpSpPr>
+      <p:grpSpPr>
+        <a:xfrm>
+          <a:off x="0" y="0"/>
+          <a:ext cx="0" cy="0"/>
+          <a:chOff x="0" y="0"/>
+          <a:chExt cx="0" cy="0"/>
+        </a:xfrm>
+      </p:grpSpPr>
+      <p:sp>
+        <p:nvSpPr>
+          <p:cNvPr id="4" name="Title 3">
+            <a:extLst>
+              <a:ext uri="{FF2B5EF4-FFF2-40B4-BE49-F238E27FC236}">
+                <a16:creationId xmlns:a16="http://schemas.microsoft.com/office/drawing/2014/main" id="{13518B52-96A8-4639-BDF2-BB670311E5A2}"/>
+              </a:ext>
+            </a:extLst>
+          </p:cNvPr>
+          <p:cNvSpPr>
+            <a:spLocks noGrp="1"/>
+          </p:cNvSpPr>
+          <p:nvPr>
+            <p:ph type="title"/>
+          </p:nvPr>
+        </p:nvSpPr>
+        <p:spPr>
+          <a:xfrm>
+            <a:off x="0" y="0"/>
+            <a:ext cx="12192000" cy="980661"/>
+          </a:xfrm>
+          <a:solidFill>
+            <a:schemeClr val="accent6">
+              <a:lumMod val="20000"/>
+              <a:lumOff val="80000"/>
+            </a:schemeClr>
+          </a:solidFill>
+        </p:spPr>
+        <p:txBody>
+          <a:bodyPr/>
+          <a:lstStyle/>
+          <a:p>
+            <a:r>
+              <a:rPr lang="en-US" dirty="0"/>
+              <a:t>OSA Series 2: Chemistry Update 18/9/20</a:t>
+            </a:r>
+          </a:p>
+        </p:txBody>
+      </p:sp>
+      <p:sp>
+        <p:nvSpPr>
+          <p:cNvPr id="7" name="TextBox 6">
+            <a:extLst>
+              <a:ext uri="{FF2B5EF4-FFF2-40B4-BE49-F238E27FC236}">
+                <a16:creationId xmlns:a16="http://schemas.microsoft.com/office/drawing/2014/main" id="{73939973-1532-43F5-BB0F-25AEEDB8EEFF}"/>
+              </a:ext>
+            </a:extLst>
+          </p:cNvPr>
+          <p:cNvSpPr txBox="1"/>
+          <p:nvPr/>
+        </p:nvSpPr>
+        <p:spPr>
+          <a:xfrm>
+            <a:off x="0" y="6395313"/>
+            <a:ext cx="1472647" cy="369332"/>
+          </a:xfrm>
+          <a:prstGeom prst="rect">
+            <a:avLst/>
+          </a:prstGeom>
+          <a:noFill/>
+        </p:spPr>
+        <p:txBody>
+          <a:bodyPr wrap="none" rtlCol="0">
+            <a:spAutoFit/>
+          </a:bodyPr>
+          <a:lstStyle/>
+          <a:p>
+            <a:r>
+              <a:rPr lang="en-US" dirty="0"/>
+              <a:t>D. Klug, E. </a:t>
+            </a:r>
+            <a:r>
+              <a:rPr lang="en-US" dirty="0" err="1"/>
+              <a:t>Tse</a:t>
+            </a:r>
+            <a:endParaRPr lang="en-US" dirty="0"/>
+          </a:p>
+        </p:txBody>
+      </p:sp>
+      <p:graphicFrame>
+        <p:nvGraphicFramePr>
+          <p:cNvPr id="5" name="Object 4">
+            <a:extLst>
+              <a:ext uri="{FF2B5EF4-FFF2-40B4-BE49-F238E27FC236}">
+                <a16:creationId xmlns:a16="http://schemas.microsoft.com/office/drawing/2014/main" id="{83929F80-CF8F-DE4A-87DA-39043D9DB6EE}"/>
+              </a:ext>
+            </a:extLst>
+          </p:cNvPr>
+          <p:cNvGraphicFramePr>
+            <a:graphicFrameLocks noChangeAspect="1"/>
+          </p:cNvGraphicFramePr>
+          <p:nvPr>
+            <p:extLst>
+              <p:ext uri="{D42A27DB-BD31-4B8C-83A1-F6EECF244321}">
+                <p14:modId xmlns:p14="http://schemas.microsoft.com/office/powerpoint/2010/main" val="4157992252"/>
+              </p:ext>
+            </p:extLst>
+          </p:nvPr>
+        </p:nvGraphicFramePr>
+        <p:xfrm>
+          <a:off x="293024" y="1491491"/>
+          <a:ext cx="5589588" cy="3308350"/>
+        </p:xfrm>
+        <a:graphic>
+          <a:graphicData uri="http://schemas.openxmlformats.org/presentationml/2006/ole">
+            <mc:AlternateContent xmlns:mc="http://schemas.openxmlformats.org/markup-compatibility/2006">
+              <mc:Choice xmlns:v="urn:schemas-microsoft-com:vml" Requires="v">
+                <p:oleObj spid="_x0000_s5123" name="CS ChemDraw Drawing" r:id="rId3" imgW="5589499" imgH="3308054" progId="ChemDraw.Document.6.0">
+                  <p:embed/>
+                </p:oleObj>
+              </mc:Choice>
+              <mc:Fallback>
+                <p:oleObj name="CS ChemDraw Drawing" r:id="rId3" imgW="5589499" imgH="3308054" progId="ChemDraw.Document.6.0">
+                  <p:embed/>
+                  <p:pic>
+                    <p:nvPicPr>
+                      <p:cNvPr id="3" name="Object 2">
+                        <a:extLst>
+                          <a:ext uri="{FF2B5EF4-FFF2-40B4-BE49-F238E27FC236}">
+                            <a16:creationId xmlns:a16="http://schemas.microsoft.com/office/drawing/2014/main" id="{6AD2700F-7996-4DB8-9B0C-A461BE070302}"/>
+                          </a:ext>
+                        </a:extLst>
+                      </p:cNvPr>
+                      <p:cNvPicPr/>
+                      <p:nvPr/>
+                    </p:nvPicPr>
+                    <p:blipFill>
+                      <a:blip r:embed="rId4"/>
+                      <a:stretch>
+                        <a:fillRect/>
+                      </a:stretch>
+                    </p:blipFill>
+                    <p:spPr>
+                      <a:xfrm>
+                        <a:off x="293024" y="1491491"/>
+                        <a:ext cx="5589588" cy="3308350"/>
+                      </a:xfrm>
+                      <a:prstGeom prst="rect">
+                        <a:avLst/>
+                      </a:prstGeom>
+                    </p:spPr>
+                  </p:pic>
+                </p:oleObj>
+              </mc:Fallback>
+            </mc:AlternateContent>
+          </a:graphicData>
+        </a:graphic>
+      </p:graphicFrame>
+      <p:graphicFrame>
+        <p:nvGraphicFramePr>
+          <p:cNvPr id="6" name="Table 5">
+            <a:extLst>
+              <a:ext uri="{FF2B5EF4-FFF2-40B4-BE49-F238E27FC236}">
+                <a16:creationId xmlns:a16="http://schemas.microsoft.com/office/drawing/2014/main" id="{9182843F-7715-934F-9A70-DFD240C8B1BB}"/>
+              </a:ext>
+            </a:extLst>
+          </p:cNvPr>
+          <p:cNvGraphicFramePr>
+            <a:graphicFrameLocks noGrp="1"/>
+          </p:cNvGraphicFramePr>
+          <p:nvPr>
+            <p:extLst>
+              <p:ext uri="{D42A27DB-BD31-4B8C-83A1-F6EECF244321}">
+                <p14:modId xmlns:p14="http://schemas.microsoft.com/office/powerpoint/2010/main" val="1574889187"/>
+              </p:ext>
+            </p:extLst>
+          </p:nvPr>
+        </p:nvGraphicFramePr>
+        <p:xfrm>
+          <a:off x="6206518" y="1203553"/>
+          <a:ext cx="5692458" cy="5191760"/>
+        </p:xfrm>
+        <a:graphic>
+          <a:graphicData uri="http://schemas.openxmlformats.org/drawingml/2006/table">
+            <a:tbl>
+              <a:tblPr firstRow="1" bandRow="1">
+                <a:tableStyleId>{5940675A-B579-460E-94D1-54222C63F5DA}</a:tableStyleId>
+              </a:tblPr>
+              <a:tblGrid>
+                <a:gridCol w="1167130">
+                  <a:extLst>
+                    <a:ext uri="{9D8B030D-6E8A-4147-A177-3AD203B41FA5}">
+                      <a16:colId xmlns:a16="http://schemas.microsoft.com/office/drawing/2014/main" val="3972186471"/>
+                    </a:ext>
+                  </a:extLst>
+                </a:gridCol>
+                <a:gridCol w="478155">
+                  <a:extLst>
+                    <a:ext uri="{9D8B030D-6E8A-4147-A177-3AD203B41FA5}">
+                      <a16:colId xmlns:a16="http://schemas.microsoft.com/office/drawing/2014/main" val="3491258574"/>
+                    </a:ext>
+                  </a:extLst>
+                </a:gridCol>
+                <a:gridCol w="1510030">
+                  <a:extLst>
+                    <a:ext uri="{9D8B030D-6E8A-4147-A177-3AD203B41FA5}">
+                      <a16:colId xmlns:a16="http://schemas.microsoft.com/office/drawing/2014/main" val="3766801934"/>
+                    </a:ext>
+                  </a:extLst>
+                </a:gridCol>
+                <a:gridCol w="2537143">
+                  <a:extLst>
+                    <a:ext uri="{9D8B030D-6E8A-4147-A177-3AD203B41FA5}">
+                      <a16:colId xmlns:a16="http://schemas.microsoft.com/office/drawing/2014/main" val="1800072490"/>
+                    </a:ext>
+                  </a:extLst>
+                </a:gridCol>
+              </a:tblGrid>
+              <a:tr h="370840">
+                <a:tc gridSpan="4">
+                  <a:txBody>
+                    <a:bodyPr/>
+                    <a:lstStyle/>
+                    <a:p>
+                      <a:pPr algn="ctr"/>
+                      <a:endParaRPr lang="en-US" sz="1400" b="1" dirty="0">
+                        <a:latin typeface="Arial" panose="020B0604020202020204" pitchFamily="34" charset="0"/>
+                        <a:cs typeface="Arial" panose="020B0604020202020204" pitchFamily="34" charset="0"/>
+                      </a:endParaRPr>
+                    </a:p>
+                    <a:p>
+                      <a:pPr algn="ctr"/>
+                      <a:endParaRPr lang="en-US" sz="1400" b="1" dirty="0">
+                        <a:latin typeface="Arial" panose="020B0604020202020204" pitchFamily="34" charset="0"/>
+                        <a:cs typeface="Arial" panose="020B0604020202020204" pitchFamily="34" charset="0"/>
+                      </a:endParaRPr>
+                    </a:p>
+                    <a:p>
+                      <a:pPr algn="ctr"/>
+                      <a:endParaRPr lang="en-US" sz="1400" b="1" dirty="0">
+                        <a:latin typeface="Arial" panose="020B0604020202020204" pitchFamily="34" charset="0"/>
+                        <a:cs typeface="Arial" panose="020B0604020202020204" pitchFamily="34" charset="0"/>
+                      </a:endParaRPr>
+                    </a:p>
+                    <a:p>
+                      <a:pPr algn="ctr"/>
+                      <a:endParaRPr lang="en-US" sz="1400" b="1" dirty="0">
+                        <a:latin typeface="Arial" panose="020B0604020202020204" pitchFamily="34" charset="0"/>
+                        <a:cs typeface="Arial" panose="020B0604020202020204" pitchFamily="34" charset="0"/>
+                      </a:endParaRPr>
+                    </a:p>
+                    <a:p>
+                      <a:pPr algn="ctr"/>
+                      <a:endParaRPr lang="en-US" sz="1400" b="1" dirty="0">
+                        <a:latin typeface="Arial" panose="020B0604020202020204" pitchFamily="34" charset="0"/>
+                        <a:cs typeface="Arial" panose="020B0604020202020204" pitchFamily="34" charset="0"/>
+                      </a:endParaRPr>
+                    </a:p>
+                    <a:p>
+                      <a:pPr algn="ctr"/>
+                      <a:endParaRPr lang="en-US" sz="1400" b="1" dirty="0">
+                        <a:latin typeface="Arial" panose="020B0604020202020204" pitchFamily="34" charset="0"/>
+                        <a:cs typeface="Arial" panose="020B0604020202020204" pitchFamily="34" charset="0"/>
+                      </a:endParaRPr>
+                    </a:p>
+                    <a:p>
+                      <a:pPr algn="ctr"/>
+                      <a:endParaRPr lang="en-US" sz="1400" b="1" dirty="0">
+                        <a:latin typeface="Arial" panose="020B0604020202020204" pitchFamily="34" charset="0"/>
+                        <a:cs typeface="Arial" panose="020B0604020202020204" pitchFamily="34" charset="0"/>
+                      </a:endParaRPr>
+                    </a:p>
+                    <a:p>
+                      <a:pPr algn="ctr"/>
+                      <a:endParaRPr lang="en-US" sz="1400" b="1" dirty="0">
+                        <a:latin typeface="Arial" panose="020B0604020202020204" pitchFamily="34" charset="0"/>
+                        <a:cs typeface="Arial" panose="020B0604020202020204" pitchFamily="34" charset="0"/>
+                      </a:endParaRPr>
+                    </a:p>
+                    <a:p>
+                      <a:pPr algn="ctr"/>
+                      <a:endParaRPr lang="en-US" sz="1400" b="1" dirty="0">
+                        <a:latin typeface="Arial" panose="020B0604020202020204" pitchFamily="34" charset="0"/>
+                        <a:cs typeface="Arial" panose="020B0604020202020204" pitchFamily="34" charset="0"/>
+                      </a:endParaRPr>
+                    </a:p>
+                    <a:p>
+                      <a:pPr algn="ctr"/>
+                      <a:endParaRPr lang="en-US" sz="1400" b="1" dirty="0">
+                        <a:latin typeface="Arial" panose="020B0604020202020204" pitchFamily="34" charset="0"/>
+                        <a:cs typeface="Arial" panose="020B0604020202020204" pitchFamily="34" charset="0"/>
+                      </a:endParaRPr>
+                    </a:p>
+                  </a:txBody>
+                  <a:tcPr anchor="ctr">
+                    <a:noFill/>
+                  </a:tcPr>
+                </a:tc>
+                <a:tc hMerge="1">
+                  <a:txBody>
+                    <a:bodyPr/>
+                    <a:lstStyle/>
+                    <a:p>
+                      <a:pPr algn="ctr"/>
+                      <a:endParaRPr lang="en-US" sz="1400" b="1" dirty="0">
+                        <a:latin typeface="Arial" panose="020B0604020202020204" pitchFamily="34" charset="0"/>
+                        <a:cs typeface="Arial" panose="020B0604020202020204" pitchFamily="34" charset="0"/>
+                      </a:endParaRPr>
+                    </a:p>
+                  </a:txBody>
+                  <a:tcPr anchor="ctr">
+                    <a:solidFill>
+                      <a:schemeClr val="accent6">
+                        <a:lumMod val="40000"/>
+                        <a:lumOff val="60000"/>
+                      </a:schemeClr>
+                    </a:solidFill>
+                  </a:tcPr>
+                </a:tc>
+                <a:tc hMerge="1">
+                  <a:txBody>
+                    <a:bodyPr/>
+                    <a:lstStyle/>
+                    <a:p>
+                      <a:pPr algn="ctr"/>
+                      <a:endParaRPr lang="en-US" sz="1400" b="1" dirty="0">
+                        <a:latin typeface="Arial" panose="020B0604020202020204" pitchFamily="34" charset="0"/>
+                        <a:cs typeface="Arial" panose="020B0604020202020204" pitchFamily="34" charset="0"/>
+                      </a:endParaRPr>
+                    </a:p>
+                  </a:txBody>
+                  <a:tcPr anchor="ctr">
+                    <a:solidFill>
+                      <a:schemeClr val="accent6">
+                        <a:lumMod val="40000"/>
+                        <a:lumOff val="60000"/>
+                      </a:schemeClr>
+                    </a:solidFill>
+                  </a:tcPr>
+                </a:tc>
+                <a:tc hMerge="1">
+                  <a:txBody>
+                    <a:bodyPr/>
+                    <a:lstStyle/>
+                    <a:p>
+                      <a:pPr algn="ctr"/>
+                      <a:endParaRPr lang="en-US" sz="1400" b="1" dirty="0">
+                        <a:latin typeface="Arial" panose="020B0604020202020204" pitchFamily="34" charset="0"/>
+                        <a:cs typeface="Arial" panose="020B0604020202020204" pitchFamily="34" charset="0"/>
+                      </a:endParaRPr>
+                    </a:p>
+                  </a:txBody>
+                  <a:tcPr anchor="ctr">
+                    <a:solidFill>
+                      <a:schemeClr val="accent6">
+                        <a:lumMod val="40000"/>
+                        <a:lumOff val="60000"/>
+                      </a:schemeClr>
+                    </a:solidFill>
+                  </a:tcPr>
+                </a:tc>
+                <a:extLst>
+                  <a:ext uri="{0D108BD9-81ED-4DB2-BD59-A6C34878D82A}">
+                    <a16:rowId xmlns:a16="http://schemas.microsoft.com/office/drawing/2014/main" val="1247404170"/>
+                  </a:ext>
+                </a:extLst>
+              </a:tr>
+              <a:tr h="370840">
+                <a:tc>
+                  <a:txBody>
+                    <a:bodyPr/>
+                    <a:lstStyle/>
+                    <a:p>
+                      <a:pPr algn="ctr"/>
+                      <a:r>
+                        <a:rPr lang="en-US" sz="1400" b="1" dirty="0">
+                          <a:latin typeface="Arial" panose="020B0604020202020204" pitchFamily="34" charset="0"/>
+                          <a:cs typeface="Arial" panose="020B0604020202020204" pitchFamily="34" charset="0"/>
+                        </a:rPr>
+                        <a:t>Compound</a:t>
+                      </a:r>
+                    </a:p>
+                  </a:txBody>
+                  <a:tcPr anchor="ctr">
+                    <a:solidFill>
+                      <a:schemeClr val="accent6">
+                        <a:lumMod val="40000"/>
+                        <a:lumOff val="60000"/>
+                      </a:schemeClr>
+                    </a:solidFill>
+                  </a:tcPr>
+                </a:tc>
+                <a:tc>
+                  <a:txBody>
+                    <a:bodyPr/>
+                    <a:lstStyle/>
+                    <a:p>
+                      <a:pPr algn="ctr"/>
+                      <a:r>
+                        <a:rPr lang="en-US" sz="1400" b="1" dirty="0">
+                          <a:latin typeface="Arial" panose="020B0604020202020204" pitchFamily="34" charset="0"/>
+                          <a:cs typeface="Arial" panose="020B0604020202020204" pitchFamily="34" charset="0"/>
+                        </a:rPr>
+                        <a:t>R</a:t>
+                      </a:r>
+                    </a:p>
+                  </a:txBody>
+                  <a:tcPr anchor="ctr">
+                    <a:solidFill>
+                      <a:schemeClr val="accent6">
+                        <a:lumMod val="40000"/>
+                        <a:lumOff val="60000"/>
+                      </a:schemeClr>
+                    </a:solidFill>
+                  </a:tcPr>
+                </a:tc>
+                <a:tc>
+                  <a:txBody>
+                    <a:bodyPr/>
+                    <a:lstStyle/>
+                    <a:p>
+                      <a:pPr algn="ctr"/>
+                      <a:r>
+                        <a:rPr lang="en-US" sz="1400" b="1" dirty="0">
+                          <a:latin typeface="Arial" panose="020B0604020202020204" pitchFamily="34" charset="0"/>
+                          <a:cs typeface="Arial" panose="020B0604020202020204" pitchFamily="34" charset="0"/>
+                        </a:rPr>
+                        <a:t>Notebook page</a:t>
+                      </a:r>
+                    </a:p>
+                  </a:txBody>
+                  <a:tcPr anchor="ctr">
+                    <a:solidFill>
+                      <a:schemeClr val="accent6">
+                        <a:lumMod val="40000"/>
+                        <a:lumOff val="60000"/>
+                      </a:schemeClr>
+                    </a:solidFill>
+                  </a:tcPr>
+                </a:tc>
+                <a:tc>
+                  <a:txBody>
+                    <a:bodyPr/>
+                    <a:lstStyle/>
+                    <a:p>
+                      <a:pPr algn="ctr"/>
+                      <a:r>
+                        <a:rPr lang="en-US" sz="1400" b="1" dirty="0">
+                          <a:latin typeface="Arial" panose="020B0604020202020204" pitchFamily="34" charset="0"/>
+                          <a:cs typeface="Arial" panose="020B0604020202020204" pitchFamily="34" charset="0"/>
+                        </a:rPr>
+                        <a:t>Results</a:t>
+                      </a:r>
+                    </a:p>
+                  </a:txBody>
+                  <a:tcPr anchor="ctr">
+                    <a:solidFill>
+                      <a:schemeClr val="accent6">
+                        <a:lumMod val="40000"/>
+                        <a:lumOff val="60000"/>
+                      </a:schemeClr>
+                    </a:solidFill>
+                  </a:tcPr>
+                </a:tc>
+                <a:extLst>
+                  <a:ext uri="{0D108BD9-81ED-4DB2-BD59-A6C34878D82A}">
+                    <a16:rowId xmlns:a16="http://schemas.microsoft.com/office/drawing/2014/main" val="3211113102"/>
+                  </a:ext>
+                </a:extLst>
+              </a:tr>
+              <a:tr h="370840">
+                <a:tc>
+                  <a:txBody>
+                    <a:bodyPr/>
+                    <a:lstStyle/>
+                    <a:p>
+                      <a:pPr algn="ctr"/>
+                      <a:r>
+                        <a:rPr lang="en-US" sz="1400" b="1" dirty="0">
+                          <a:latin typeface="Arial" panose="020B0604020202020204" pitchFamily="34" charset="0"/>
+                          <a:cs typeface="Arial" panose="020B0604020202020204" pitchFamily="34" charset="0"/>
+                        </a:rPr>
+                        <a:t>2a</a:t>
+                      </a:r>
+                    </a:p>
+                  </a:txBody>
+                  <a:tcPr anchor="ctr"/>
+                </a:tc>
+                <a:tc>
+                  <a:txBody>
+                    <a:bodyPr/>
+                    <a:lstStyle/>
+                    <a:p>
+                      <a:pPr algn="ctr"/>
+                      <a:r>
+                        <a:rPr lang="en-US" sz="1400" dirty="0">
+                          <a:latin typeface="Arial" panose="020B0604020202020204" pitchFamily="34" charset="0"/>
+                          <a:cs typeface="Arial" panose="020B0604020202020204" pitchFamily="34" charset="0"/>
+                        </a:rPr>
+                        <a:t>Me</a:t>
+                      </a:r>
+                    </a:p>
+                  </a:txBody>
+                  <a:tcPr anchor="ctr"/>
+                </a:tc>
+                <a:tc>
+                  <a:txBody>
+                    <a:bodyPr/>
+                    <a:lstStyle/>
+                    <a:p>
+                      <a:pPr algn="ctr"/>
+                      <a:r>
+                        <a:rPr lang="en-US" sz="1400" dirty="0">
+                          <a:latin typeface="Arial" panose="020B0604020202020204" pitchFamily="34" charset="0"/>
+                          <a:cs typeface="Arial" panose="020B0604020202020204" pitchFamily="34" charset="0"/>
+                        </a:rPr>
+                        <a:t>DMK128</a:t>
+                      </a:r>
+                    </a:p>
+                  </a:txBody>
+                  <a:tcPr anchor="ctr"/>
+                </a:tc>
+                <a:tc>
+                  <a:txBody>
+                    <a:bodyPr/>
+                    <a:lstStyle/>
+                    <a:p>
+                      <a:pPr algn="ctr"/>
+                      <a:r>
+                        <a:rPr lang="en-US" sz="1400" dirty="0">
+                          <a:latin typeface="Arial" panose="020B0604020202020204" pitchFamily="34" charset="0"/>
+                          <a:cs typeface="Arial" panose="020B0604020202020204" pitchFamily="34" charset="0"/>
+                        </a:rPr>
+                        <a:t>Separable mixture of isomers</a:t>
+                      </a:r>
+                    </a:p>
+                  </a:txBody>
+                  <a:tcPr anchor="ctr"/>
+                </a:tc>
+                <a:extLst>
+                  <a:ext uri="{0D108BD9-81ED-4DB2-BD59-A6C34878D82A}">
+                    <a16:rowId xmlns:a16="http://schemas.microsoft.com/office/drawing/2014/main" val="449011032"/>
+                  </a:ext>
+                </a:extLst>
+              </a:tr>
+              <a:tr h="370840">
+                <a:tc>
+                  <a:txBody>
+                    <a:bodyPr/>
+                    <a:lstStyle/>
+                    <a:p>
+                      <a:pPr algn="ctr"/>
+                      <a:r>
+                        <a:rPr lang="en-US" sz="1400" b="1" dirty="0">
+                          <a:latin typeface="Arial" panose="020B0604020202020204" pitchFamily="34" charset="0"/>
+                          <a:cs typeface="Arial" panose="020B0604020202020204" pitchFamily="34" charset="0"/>
+                        </a:rPr>
+                        <a:t>2b</a:t>
+                      </a:r>
+                    </a:p>
+                  </a:txBody>
+                  <a:tcPr anchor="ctr"/>
+                </a:tc>
+                <a:tc>
+                  <a:txBody>
+                    <a:bodyPr/>
+                    <a:lstStyle/>
+                    <a:p>
+                      <a:pPr algn="ctr"/>
+                      <a:r>
+                        <a:rPr lang="en-US" sz="1400" dirty="0">
+                          <a:latin typeface="Arial" panose="020B0604020202020204" pitchFamily="34" charset="0"/>
+                          <a:cs typeface="Arial" panose="020B0604020202020204" pitchFamily="34" charset="0"/>
+                        </a:rPr>
+                        <a:t>Tr</a:t>
+                      </a:r>
+                    </a:p>
+                  </a:txBody>
+                  <a:tcPr anchor="ctr"/>
+                </a:tc>
+                <a:tc>
+                  <a:txBody>
+                    <a:bodyPr/>
+                    <a:lstStyle/>
+                    <a:p>
+                      <a:pPr algn="ctr"/>
+                      <a:r>
+                        <a:rPr lang="en-US" sz="1400" dirty="0">
+                          <a:latin typeface="Arial" panose="020B0604020202020204" pitchFamily="34" charset="0"/>
+                          <a:cs typeface="Arial" panose="020B0604020202020204" pitchFamily="34" charset="0"/>
+                        </a:rPr>
+                        <a:t>DMK130</a:t>
+                      </a:r>
+                    </a:p>
+                  </a:txBody>
+                  <a:tcPr anchor="ctr"/>
+                </a:tc>
+                <a:tc>
+                  <a:txBody>
+                    <a:bodyPr/>
+                    <a:lstStyle/>
+                    <a:p>
+                      <a:pPr algn="ctr"/>
+                      <a:r>
+                        <a:rPr lang="en-US" sz="1400" dirty="0">
+                          <a:latin typeface="Arial" panose="020B0604020202020204" pitchFamily="34" charset="0"/>
+                          <a:cs typeface="Arial" panose="020B0604020202020204" pitchFamily="34" charset="0"/>
+                        </a:rPr>
+                        <a:t>Desired </a:t>
+                      </a:r>
+                      <a:r>
+                        <a:rPr lang="en-US" sz="1400" dirty="0" err="1">
+                          <a:latin typeface="Arial" panose="020B0604020202020204" pitchFamily="34" charset="0"/>
+                          <a:cs typeface="Arial" panose="020B0604020202020204" pitchFamily="34" charset="0"/>
+                        </a:rPr>
+                        <a:t>pdt</a:t>
+                      </a:r>
+                      <a:endParaRPr lang="en-US" sz="1400" dirty="0">
+                        <a:latin typeface="Arial" panose="020B0604020202020204" pitchFamily="34" charset="0"/>
+                        <a:cs typeface="Arial" panose="020B0604020202020204" pitchFamily="34" charset="0"/>
+                      </a:endParaRPr>
+                    </a:p>
+                  </a:txBody>
+                  <a:tcPr anchor="ctr"/>
+                </a:tc>
+                <a:extLst>
+                  <a:ext uri="{0D108BD9-81ED-4DB2-BD59-A6C34878D82A}">
+                    <a16:rowId xmlns:a16="http://schemas.microsoft.com/office/drawing/2014/main" val="3668823108"/>
+                  </a:ext>
+                </a:extLst>
+              </a:tr>
+              <a:tr h="370840">
+                <a:tc>
+                  <a:txBody>
+                    <a:bodyPr/>
+                    <a:lstStyle/>
+                    <a:p>
+                      <a:pPr algn="ctr"/>
+                      <a:r>
+                        <a:rPr lang="en-US" sz="1400" b="1" dirty="0">
+                          <a:latin typeface="Arial" panose="020B0604020202020204" pitchFamily="34" charset="0"/>
+                          <a:cs typeface="Arial" panose="020B0604020202020204" pitchFamily="34" charset="0"/>
+                        </a:rPr>
+                        <a:t>2c</a:t>
+                      </a:r>
+                    </a:p>
+                  </a:txBody>
+                  <a:tcPr anchor="ctr"/>
+                </a:tc>
+                <a:tc>
+                  <a:txBody>
+                    <a:bodyPr/>
+                    <a:lstStyle/>
+                    <a:p>
+                      <a:pPr algn="ctr"/>
+                      <a:r>
+                        <a:rPr lang="en-US" sz="1400" dirty="0">
+                          <a:latin typeface="Arial" panose="020B0604020202020204" pitchFamily="34" charset="0"/>
+                          <a:cs typeface="Arial" panose="020B0604020202020204" pitchFamily="34" charset="0"/>
+                        </a:rPr>
+                        <a:t>Ts</a:t>
+                      </a:r>
+                    </a:p>
+                  </a:txBody>
+                  <a:tcPr anchor="ctr"/>
+                </a:tc>
+                <a:tc>
+                  <a:txBody>
+                    <a:bodyPr/>
+                    <a:lstStyle/>
+                    <a:p>
+                      <a:pPr algn="ctr"/>
+                      <a:r>
+                        <a:rPr lang="en-US" sz="1400" dirty="0">
+                          <a:latin typeface="Arial" panose="020B0604020202020204" pitchFamily="34" charset="0"/>
+                          <a:cs typeface="Arial" panose="020B0604020202020204" pitchFamily="34" charset="0"/>
+                        </a:rPr>
+                        <a:t>DMK137</a:t>
+                      </a:r>
+                    </a:p>
+                  </a:txBody>
+                  <a:tcPr anchor="ctr"/>
+                </a:tc>
+                <a:tc>
+                  <a:txBody>
+                    <a:bodyPr/>
+                    <a:lstStyle/>
+                    <a:p>
+                      <a:pPr algn="ctr"/>
+                      <a:r>
+                        <a:rPr lang="en-US" sz="1400" dirty="0">
+                          <a:latin typeface="Arial" panose="020B0604020202020204" pitchFamily="34" charset="0"/>
+                          <a:cs typeface="Arial" panose="020B0604020202020204" pitchFamily="34" charset="0"/>
+                        </a:rPr>
+                        <a:t>Needs purification</a:t>
+                      </a:r>
+                    </a:p>
+                  </a:txBody>
+                  <a:tcPr anchor="ctr"/>
+                </a:tc>
+                <a:extLst>
+                  <a:ext uri="{0D108BD9-81ED-4DB2-BD59-A6C34878D82A}">
+                    <a16:rowId xmlns:a16="http://schemas.microsoft.com/office/drawing/2014/main" val="1663238079"/>
+                  </a:ext>
+                </a:extLst>
+              </a:tr>
+              <a:tr h="370840">
+                <a:tc>
+                  <a:txBody>
+                    <a:bodyPr/>
+                    <a:lstStyle/>
+                    <a:p>
+                      <a:pPr algn="ctr"/>
+                      <a:r>
+                        <a:rPr lang="en-US" sz="1400" b="1" dirty="0">
+                          <a:latin typeface="Arial" panose="020B0604020202020204" pitchFamily="34" charset="0"/>
+                          <a:cs typeface="Arial" panose="020B0604020202020204" pitchFamily="34" charset="0"/>
+                        </a:rPr>
+                        <a:t>3a</a:t>
+                      </a:r>
+                    </a:p>
+                  </a:txBody>
+                  <a:tcPr anchor="ctr"/>
+                </a:tc>
+                <a:tc>
+                  <a:txBody>
+                    <a:bodyPr/>
+                    <a:lstStyle/>
+                    <a:p>
+                      <a:pPr algn="ctr"/>
+                      <a:r>
+                        <a:rPr lang="en-US" sz="1400" dirty="0">
+                          <a:latin typeface="Arial" panose="020B0604020202020204" pitchFamily="34" charset="0"/>
+                          <a:cs typeface="Arial" panose="020B0604020202020204" pitchFamily="34" charset="0"/>
+                        </a:rPr>
+                        <a:t>Me</a:t>
+                      </a:r>
+                    </a:p>
+                  </a:txBody>
+                  <a:tcPr anchor="ctr"/>
+                </a:tc>
+                <a:tc>
+                  <a:txBody>
+                    <a:bodyPr/>
+                    <a:lstStyle/>
+                    <a:p>
+                      <a:pPr algn="ctr"/>
+                      <a:r>
+                        <a:rPr lang="en-US" sz="1400" dirty="0">
+                          <a:latin typeface="Arial" panose="020B0604020202020204" pitchFamily="34" charset="0"/>
+                          <a:cs typeface="Arial" panose="020B0604020202020204" pitchFamily="34" charset="0"/>
+                        </a:rPr>
+                        <a:t>DMK</a:t>
+                      </a:r>
+                    </a:p>
+                  </a:txBody>
+                  <a:tcPr anchor="ctr"/>
+                </a:tc>
+                <a:tc>
+                  <a:txBody>
+                    <a:bodyPr/>
+                    <a:lstStyle/>
+                    <a:p>
+                      <a:pPr algn="ctr"/>
+                      <a:r>
+                        <a:rPr lang="en-US" sz="1400" dirty="0">
+                          <a:latin typeface="Arial" panose="020B0604020202020204" pitchFamily="34" charset="0"/>
+                          <a:cs typeface="Arial" panose="020B0604020202020204" pitchFamily="34" charset="0"/>
+                        </a:rPr>
+                        <a:t>Dimer</a:t>
+                      </a:r>
+                    </a:p>
+                  </a:txBody>
+                  <a:tcPr anchor="ctr"/>
+                </a:tc>
+                <a:extLst>
+                  <a:ext uri="{0D108BD9-81ED-4DB2-BD59-A6C34878D82A}">
+                    <a16:rowId xmlns:a16="http://schemas.microsoft.com/office/drawing/2014/main" val="3833525642"/>
+                  </a:ext>
+                </a:extLst>
+              </a:tr>
+              <a:tr h="370840">
+                <a:tc>
+                  <a:txBody>
+                    <a:bodyPr/>
+                    <a:lstStyle/>
+                    <a:p>
+                      <a:pPr algn="ctr"/>
+                      <a:r>
+                        <a:rPr lang="en-US" sz="1400" b="1" dirty="0">
+                          <a:latin typeface="Arial" panose="020B0604020202020204" pitchFamily="34" charset="0"/>
+                          <a:cs typeface="Arial" panose="020B0604020202020204" pitchFamily="34" charset="0"/>
+                        </a:rPr>
+                        <a:t>3b</a:t>
+                      </a:r>
+                    </a:p>
+                  </a:txBody>
+                  <a:tcPr anchor="ctr"/>
+                </a:tc>
+                <a:tc>
+                  <a:txBody>
+                    <a:bodyPr/>
+                    <a:lstStyle/>
+                    <a:p>
+                      <a:pPr algn="ctr"/>
+                      <a:r>
+                        <a:rPr lang="en-US" sz="1400" dirty="0">
+                          <a:latin typeface="Arial" panose="020B0604020202020204" pitchFamily="34" charset="0"/>
+                          <a:cs typeface="Arial" panose="020B0604020202020204" pitchFamily="34" charset="0"/>
+                        </a:rPr>
+                        <a:t>Tr</a:t>
+                      </a:r>
+                    </a:p>
+                  </a:txBody>
+                  <a:tcPr anchor="ctr"/>
+                </a:tc>
+                <a:tc>
+                  <a:txBody>
+                    <a:bodyPr/>
+                    <a:lstStyle/>
+                    <a:p>
+                      <a:pPr algn="ctr"/>
+                      <a:r>
+                        <a:rPr lang="en-US" sz="1400" dirty="0">
+                          <a:latin typeface="Arial" panose="020B0604020202020204" pitchFamily="34" charset="0"/>
+                          <a:cs typeface="Arial" panose="020B0604020202020204" pitchFamily="34" charset="0"/>
+                        </a:rPr>
+                        <a:t>DMK131</a:t>
+                      </a:r>
+                    </a:p>
+                  </a:txBody>
+                  <a:tcPr anchor="ctr"/>
+                </a:tc>
+                <a:tc>
+                  <a:txBody>
+                    <a:bodyPr/>
+                    <a:lstStyle/>
+                    <a:p>
+                      <a:pPr algn="ctr"/>
+                      <a:r>
+                        <a:rPr lang="en-US" sz="1400" dirty="0">
+                          <a:latin typeface="Arial" panose="020B0604020202020204" pitchFamily="34" charset="0"/>
+                          <a:cs typeface="Arial" panose="020B0604020202020204" pitchFamily="34" charset="0"/>
+                        </a:rPr>
+                        <a:t>Inconsistent</a:t>
+                      </a:r>
+                    </a:p>
+                  </a:txBody>
+                  <a:tcPr anchor="ctr"/>
+                </a:tc>
+                <a:extLst>
+                  <a:ext uri="{0D108BD9-81ED-4DB2-BD59-A6C34878D82A}">
+                    <a16:rowId xmlns:a16="http://schemas.microsoft.com/office/drawing/2014/main" val="3975624213"/>
+                  </a:ext>
+                </a:extLst>
+              </a:tr>
+              <a:tr h="370840">
+                <a:tc>
+                  <a:txBody>
+                    <a:bodyPr/>
+                    <a:lstStyle/>
+                    <a:p>
+                      <a:pPr algn="ctr"/>
+                      <a:r>
+                        <a:rPr lang="en-US" sz="1400" b="1" dirty="0">
+                          <a:latin typeface="Arial" panose="020B0604020202020204" pitchFamily="34" charset="0"/>
+                          <a:cs typeface="Arial" panose="020B0604020202020204" pitchFamily="34" charset="0"/>
+                        </a:rPr>
+                        <a:t>4a</a:t>
+                      </a:r>
+                    </a:p>
+                  </a:txBody>
+                  <a:tcPr anchor="ctr"/>
+                </a:tc>
+                <a:tc>
+                  <a:txBody>
+                    <a:bodyPr/>
+                    <a:lstStyle/>
+                    <a:p>
+                      <a:pPr algn="ctr"/>
+                      <a:r>
+                        <a:rPr lang="en-US" sz="1400" dirty="0">
+                          <a:latin typeface="Arial" panose="020B0604020202020204" pitchFamily="34" charset="0"/>
+                          <a:cs typeface="Arial" panose="020B0604020202020204" pitchFamily="34" charset="0"/>
+                        </a:rPr>
+                        <a:t>Me</a:t>
+                      </a:r>
+                    </a:p>
+                  </a:txBody>
+                  <a:tcPr anchor="ctr"/>
+                </a:tc>
+                <a:tc>
+                  <a:txBody>
+                    <a:bodyPr/>
+                    <a:lstStyle/>
+                    <a:p>
+                      <a:pPr algn="ctr"/>
+                      <a:r>
+                        <a:rPr lang="en-US" sz="1400" dirty="0">
+                          <a:latin typeface="Arial" panose="020B0604020202020204" pitchFamily="34" charset="0"/>
+                          <a:cs typeface="Arial" panose="020B0604020202020204" pitchFamily="34" charset="0"/>
+                        </a:rPr>
+                        <a:t>DMK139</a:t>
+                      </a:r>
+                    </a:p>
+                  </a:txBody>
+                  <a:tcPr anchor="ctr"/>
+                </a:tc>
+                <a:tc>
+                  <a:txBody>
+                    <a:bodyPr/>
+                    <a:lstStyle/>
+                    <a:p>
+                      <a:pPr algn="ctr"/>
+                      <a:r>
+                        <a:rPr lang="en-US" sz="1400" dirty="0">
+                          <a:latin typeface="Arial" panose="020B0604020202020204" pitchFamily="34" charset="0"/>
+                          <a:cs typeface="Arial" panose="020B0604020202020204" pitchFamily="34" charset="0"/>
+                        </a:rPr>
+                        <a:t>No reaction (to be repeated)</a:t>
+                      </a:r>
+                    </a:p>
+                  </a:txBody>
+                  <a:tcPr anchor="ctr"/>
+                </a:tc>
+                <a:extLst>
+                  <a:ext uri="{0D108BD9-81ED-4DB2-BD59-A6C34878D82A}">
+                    <a16:rowId xmlns:a16="http://schemas.microsoft.com/office/drawing/2014/main" val="1115631623"/>
+                  </a:ext>
+                </a:extLst>
+              </a:tr>
+              <a:tr h="370840">
+                <a:tc>
+                  <a:txBody>
+                    <a:bodyPr/>
+                    <a:lstStyle/>
+                    <a:p>
+                      <a:pPr algn="ctr"/>
+                      <a:r>
+                        <a:rPr lang="en-US" sz="1400" b="1" dirty="0">
+                          <a:latin typeface="Arial" panose="020B0604020202020204" pitchFamily="34" charset="0"/>
+                          <a:cs typeface="Arial" panose="020B0604020202020204" pitchFamily="34" charset="0"/>
+                        </a:rPr>
+                        <a:t>4b</a:t>
+                      </a:r>
+                    </a:p>
+                  </a:txBody>
+                  <a:tcPr anchor="ctr"/>
+                </a:tc>
+                <a:tc>
+                  <a:txBody>
+                    <a:bodyPr/>
+                    <a:lstStyle/>
+                    <a:p>
+                      <a:pPr algn="ctr"/>
+                      <a:r>
+                        <a:rPr lang="en-US" sz="1400" dirty="0">
+                          <a:latin typeface="Arial" panose="020B0604020202020204" pitchFamily="34" charset="0"/>
+                          <a:cs typeface="Arial" panose="020B0604020202020204" pitchFamily="34" charset="0"/>
+                        </a:rPr>
+                        <a:t>Tr</a:t>
+                      </a:r>
+                    </a:p>
+                  </a:txBody>
+                  <a:tcPr anchor="ctr"/>
+                </a:tc>
+                <a:tc>
+                  <a:txBody>
+                    <a:bodyPr/>
+                    <a:lstStyle/>
+                    <a:p>
+                      <a:pPr algn="ctr"/>
+                      <a:r>
+                        <a:rPr lang="en-US" sz="1400" dirty="0">
+                          <a:latin typeface="Arial" panose="020B0604020202020204" pitchFamily="34" charset="0"/>
+                          <a:cs typeface="Arial" panose="020B0604020202020204" pitchFamily="34" charset="0"/>
+                        </a:rPr>
+                        <a:t>DMK135</a:t>
+                      </a:r>
+                    </a:p>
+                  </a:txBody>
+                  <a:tcPr anchor="ctr"/>
+                </a:tc>
+                <a:tc>
+                  <a:txBody>
+                    <a:bodyPr/>
+                    <a:lstStyle/>
+                    <a:p>
+                      <a:pPr algn="ctr"/>
+                      <a:r>
+                        <a:rPr lang="en-US" sz="1400" dirty="0">
+                          <a:latin typeface="Arial" panose="020B0604020202020204" pitchFamily="34" charset="0"/>
+                          <a:cs typeface="Arial" panose="020B0604020202020204" pitchFamily="34" charset="0"/>
+                        </a:rPr>
+                        <a:t>Decomposition</a:t>
+                      </a:r>
+                    </a:p>
+                  </a:txBody>
+                  <a:tcPr anchor="ctr"/>
+                </a:tc>
+                <a:extLst>
+                  <a:ext uri="{0D108BD9-81ED-4DB2-BD59-A6C34878D82A}">
+                    <a16:rowId xmlns:a16="http://schemas.microsoft.com/office/drawing/2014/main" val="2550872636"/>
+                  </a:ext>
+                </a:extLst>
+              </a:tr>
+            </a:tbl>
+          </a:graphicData>
+        </a:graphic>
+      </p:graphicFrame>
+      <p:graphicFrame>
+        <p:nvGraphicFramePr>
+          <p:cNvPr id="8" name="Object 7">
+            <a:extLst>
+              <a:ext uri="{FF2B5EF4-FFF2-40B4-BE49-F238E27FC236}">
+                <a16:creationId xmlns:a16="http://schemas.microsoft.com/office/drawing/2014/main" id="{9DD44AE5-D2A0-2A4D-A392-E017FB076A70}"/>
+              </a:ext>
+            </a:extLst>
+          </p:cNvPr>
+          <p:cNvGraphicFramePr>
+            <a:graphicFrameLocks noChangeAspect="1"/>
+          </p:cNvGraphicFramePr>
+          <p:nvPr>
+            <p:extLst>
+              <p:ext uri="{D42A27DB-BD31-4B8C-83A1-F6EECF244321}">
+                <p14:modId xmlns:p14="http://schemas.microsoft.com/office/powerpoint/2010/main" val="737913785"/>
+              </p:ext>
+            </p:extLst>
+          </p:nvPr>
+        </p:nvGraphicFramePr>
+        <p:xfrm>
+          <a:off x="6660131" y="1270125"/>
+          <a:ext cx="4260850" cy="2116137"/>
+        </p:xfrm>
+        <a:graphic>
+          <a:graphicData uri="http://schemas.openxmlformats.org/presentationml/2006/ole">
+            <mc:AlternateContent xmlns:mc="http://schemas.openxmlformats.org/markup-compatibility/2006">
+              <mc:Choice xmlns:v="urn:schemas-microsoft-com:vml" Requires="v">
+                <p:oleObj spid="_x0000_s5124" name="CS ChemDraw Drawing" r:id="rId5" imgW="4260773" imgH="2116129" progId="ChemDraw.Document.6.0">
+                  <p:embed/>
+                </p:oleObj>
+              </mc:Choice>
+              <mc:Fallback>
+                <p:oleObj name="CS ChemDraw Drawing" r:id="rId5" imgW="4260773" imgH="2116129" progId="ChemDraw.Document.6.0">
+                  <p:embed/>
+                  <p:pic>
+                    <p:nvPicPr>
+                      <p:cNvPr id="11" name="Object 10">
+                        <a:extLst>
+                          <a:ext uri="{FF2B5EF4-FFF2-40B4-BE49-F238E27FC236}">
+                            <a16:creationId xmlns:a16="http://schemas.microsoft.com/office/drawing/2014/main" id="{A1DB8EAC-1AFC-4E24-8870-180284019E76}"/>
+                          </a:ext>
+                        </a:extLst>
+                      </p:cNvPr>
+                      <p:cNvPicPr/>
+                      <p:nvPr/>
+                    </p:nvPicPr>
+                    <p:blipFill>
+                      <a:blip r:embed="rId6"/>
+                      <a:stretch>
+                        <a:fillRect/>
+                      </a:stretch>
+                    </p:blipFill>
+                    <p:spPr>
+                      <a:xfrm>
+                        <a:off x="6660131" y="1270125"/>
+                        <a:ext cx="4260850" cy="2116137"/>
+                      </a:xfrm>
+                      <a:prstGeom prst="rect">
+                        <a:avLst/>
+                      </a:prstGeom>
+                    </p:spPr>
+                  </p:pic>
+                </p:oleObj>
+              </mc:Fallback>
+            </mc:AlternateContent>
+          </a:graphicData>
+        </a:graphic>
+      </p:graphicFrame>
+    </p:spTree>
+    <p:extLst>
+      <p:ext uri="{BB962C8B-B14F-4D97-AF65-F5344CB8AC3E}">
+        <p14:creationId xmlns:p14="http://schemas.microsoft.com/office/powerpoint/2010/main" val="3548709751"/>
+      </p:ext>
+    </p:extLst>
+  </p:cSld>
+  <p:clrMapOvr>
+    <a:masterClrMapping/>
+  </p:clrMapOvr>
+</p:sld>
+</file>
+
+<file path=ppt/slides/slide11.xml><?xml version="1.0" encoding="utf-8"?>
+<p:sld xmlns:a="http://schemas.openxmlformats.org/drawingml/2006/main" xmlns:r="http://schemas.openxmlformats.org/officeDocument/2006/relationships" xmlns:p="http://schemas.openxmlformats.org/presentationml/2006/main">
+  <p:cSld>
+    <p:spTree>
+      <p:nvGrpSpPr>
+        <p:cNvPr id="1" name=""/>
+        <p:cNvGrpSpPr/>
+        <p:nvPr/>
+      </p:nvGrpSpPr>
+      <p:grpSpPr>
+        <a:xfrm>
+          <a:off x="0" y="0"/>
+          <a:ext cx="0" cy="0"/>
+          <a:chOff x="0" y="0"/>
+          <a:chExt cx="0" cy="0"/>
+        </a:xfrm>
+      </p:grpSpPr>
+      <p:sp>
+        <p:nvSpPr>
+          <p:cNvPr id="4" name="Title 3">
+            <a:extLst>
+              <a:ext uri="{FF2B5EF4-FFF2-40B4-BE49-F238E27FC236}">
+                <a16:creationId xmlns:a16="http://schemas.microsoft.com/office/drawing/2014/main" id="{13518B52-96A8-4639-BDF2-BB670311E5A2}"/>
+              </a:ext>
+            </a:extLst>
+          </p:cNvPr>
+          <p:cNvSpPr>
+            <a:spLocks noGrp="1"/>
+          </p:cNvSpPr>
+          <p:nvPr>
+            <p:ph type="title"/>
+          </p:nvPr>
+        </p:nvSpPr>
+        <p:spPr>
+          <a:xfrm>
+            <a:off x="0" y="0"/>
+            <a:ext cx="12192000" cy="980661"/>
+          </a:xfrm>
+          <a:solidFill>
+            <a:schemeClr val="accent6">
+              <a:lumMod val="20000"/>
+              <a:lumOff val="80000"/>
+            </a:schemeClr>
+          </a:solidFill>
+        </p:spPr>
+        <p:txBody>
+          <a:bodyPr/>
+          <a:lstStyle/>
+          <a:p>
+            <a:r>
+              <a:rPr lang="en-US" dirty="0"/>
+              <a:t>OSA Series 2: Chemistry Update 18/9/20</a:t>
+            </a:r>
+          </a:p>
+        </p:txBody>
+      </p:sp>
+      <p:sp>
+        <p:nvSpPr>
+          <p:cNvPr id="7" name="TextBox 6">
+            <a:extLst>
+              <a:ext uri="{FF2B5EF4-FFF2-40B4-BE49-F238E27FC236}">
+                <a16:creationId xmlns:a16="http://schemas.microsoft.com/office/drawing/2014/main" id="{73939973-1532-43F5-BB0F-25AEEDB8EEFF}"/>
+              </a:ext>
+            </a:extLst>
+          </p:cNvPr>
+          <p:cNvSpPr txBox="1"/>
+          <p:nvPr/>
+        </p:nvSpPr>
+        <p:spPr>
+          <a:xfrm>
+            <a:off x="0" y="6395313"/>
+            <a:ext cx="1472647" cy="369332"/>
+          </a:xfrm>
+          <a:prstGeom prst="rect">
+            <a:avLst/>
+          </a:prstGeom>
+          <a:noFill/>
+        </p:spPr>
+        <p:txBody>
+          <a:bodyPr wrap="none" rtlCol="0">
+            <a:spAutoFit/>
+          </a:bodyPr>
+          <a:lstStyle/>
+          <a:p>
+            <a:r>
+              <a:rPr lang="en-US" dirty="0"/>
+              <a:t>D. Klug, E. </a:t>
+            </a:r>
+            <a:r>
+              <a:rPr lang="en-US" dirty="0" err="1"/>
+              <a:t>Tse</a:t>
+            </a:r>
+            <a:endParaRPr lang="en-US" dirty="0"/>
+          </a:p>
+        </p:txBody>
+      </p:sp>
+      <p:graphicFrame>
+        <p:nvGraphicFramePr>
+          <p:cNvPr id="5" name="Object 4">
+            <a:extLst>
+              <a:ext uri="{FF2B5EF4-FFF2-40B4-BE49-F238E27FC236}">
+                <a16:creationId xmlns:a16="http://schemas.microsoft.com/office/drawing/2014/main" id="{2693C551-51A0-9840-AD44-E4ED03E5F376}"/>
+              </a:ext>
+            </a:extLst>
+          </p:cNvPr>
+          <p:cNvGraphicFramePr>
+            <a:graphicFrameLocks noChangeAspect="1"/>
+          </p:cNvGraphicFramePr>
+          <p:nvPr>
+            <p:extLst>
+              <p:ext uri="{D42A27DB-BD31-4B8C-83A1-F6EECF244321}">
+                <p14:modId xmlns:p14="http://schemas.microsoft.com/office/powerpoint/2010/main" val="3802386420"/>
+              </p:ext>
+            </p:extLst>
+          </p:nvPr>
+        </p:nvGraphicFramePr>
+        <p:xfrm>
+          <a:off x="2049462" y="1393273"/>
+          <a:ext cx="8093075" cy="4384675"/>
+        </p:xfrm>
+        <a:graphic>
+          <a:graphicData uri="http://schemas.openxmlformats.org/presentationml/2006/ole">
+            <mc:AlternateContent xmlns:mc="http://schemas.openxmlformats.org/markup-compatibility/2006">
+              <mc:Choice xmlns:v="urn:schemas-microsoft-com:vml" Requires="v">
+                <p:oleObj spid="_x0000_s6146" name="CS ChemDraw Drawing" r:id="rId3" imgW="8093389" imgH="4384218" progId="ChemDraw.Document.6.0">
+                  <p:embed/>
+                </p:oleObj>
+              </mc:Choice>
+              <mc:Fallback>
+                <p:oleObj name="CS ChemDraw Drawing" r:id="rId3" imgW="8093389" imgH="4384218" progId="ChemDraw.Document.6.0">
+                  <p:embed/>
+                  <p:pic>
+                    <p:nvPicPr>
+                      <p:cNvPr id="2" name="Object 1">
+                        <a:extLst>
+                          <a:ext uri="{FF2B5EF4-FFF2-40B4-BE49-F238E27FC236}">
+                            <a16:creationId xmlns:a16="http://schemas.microsoft.com/office/drawing/2014/main" id="{6E4BDF0B-FBD5-4ED4-99E6-142BD094EFBA}"/>
+                          </a:ext>
+                        </a:extLst>
+                      </p:cNvPr>
+                      <p:cNvPicPr/>
+                      <p:nvPr/>
+                    </p:nvPicPr>
+                    <p:blipFill>
+                      <a:blip r:embed="rId4"/>
+                      <a:stretch>
+                        <a:fillRect/>
+                      </a:stretch>
+                    </p:blipFill>
+                    <p:spPr>
+                      <a:xfrm>
+                        <a:off x="2049462" y="1393273"/>
+                        <a:ext cx="8093075" cy="4384675"/>
+                      </a:xfrm>
+                      <a:prstGeom prst="rect">
+                        <a:avLst/>
+                      </a:prstGeom>
+                    </p:spPr>
+                  </p:pic>
+                </p:oleObj>
+              </mc:Fallback>
+            </mc:AlternateContent>
+          </a:graphicData>
+        </a:graphic>
+      </p:graphicFrame>
+    </p:spTree>
+    <p:extLst>
+      <p:ext uri="{BB962C8B-B14F-4D97-AF65-F5344CB8AC3E}">
+        <p14:creationId xmlns:p14="http://schemas.microsoft.com/office/powerpoint/2010/main" val="1793078651"/>
+      </p:ext>
+    </p:extLst>
+  </p:cSld>
+  <p:clrMapOvr>
+    <a:masterClrMapping/>
+  </p:clrMapOvr>
+</p:sld>
+</file>
+
+<file path=ppt/slides/slide12.xml><?xml version="1.0" encoding="utf-8"?>
+<p:sld xmlns:a="http://schemas.openxmlformats.org/drawingml/2006/main" xmlns:r="http://schemas.openxmlformats.org/officeDocument/2006/relationships" xmlns:p="http://schemas.openxmlformats.org/presentationml/2006/main">
+  <p:cSld>
+    <p:spTree>
+      <p:nvGrpSpPr>
+        <p:cNvPr id="1" name=""/>
+        <p:cNvGrpSpPr/>
+        <p:nvPr/>
+      </p:nvGrpSpPr>
+      <p:grpSpPr>
+        <a:xfrm>
+          <a:off x="0" y="0"/>
+          <a:ext cx="0" cy="0"/>
+          <a:chOff x="0" y="0"/>
+          <a:chExt cx="0" cy="0"/>
+        </a:xfrm>
+      </p:grpSpPr>
+      <p:sp>
+        <p:nvSpPr>
+          <p:cNvPr id="4" name="Title 3">
+            <a:extLst>
+              <a:ext uri="{FF2B5EF4-FFF2-40B4-BE49-F238E27FC236}">
+                <a16:creationId xmlns:a16="http://schemas.microsoft.com/office/drawing/2014/main" id="{13518B52-96A8-4639-BDF2-BB670311E5A2}"/>
+              </a:ext>
+            </a:extLst>
+          </p:cNvPr>
+          <p:cNvSpPr>
+            <a:spLocks noGrp="1"/>
+          </p:cNvSpPr>
+          <p:nvPr>
+            <p:ph type="title"/>
+          </p:nvPr>
+        </p:nvSpPr>
+        <p:spPr>
+          <a:xfrm>
+            <a:off x="0" y="0"/>
+            <a:ext cx="12192000" cy="980661"/>
+          </a:xfrm>
+          <a:solidFill>
+            <a:schemeClr val="accent6">
+              <a:lumMod val="20000"/>
+              <a:lumOff val="80000"/>
+            </a:schemeClr>
+          </a:solidFill>
+        </p:spPr>
+        <p:txBody>
+          <a:bodyPr/>
+          <a:lstStyle/>
+          <a:p>
+            <a:r>
+              <a:rPr lang="en-US" dirty="0"/>
+              <a:t>OSA Series 2: Chemistry Update 18/9/20</a:t>
+            </a:r>
+          </a:p>
+        </p:txBody>
+      </p:sp>
+      <p:sp>
+        <p:nvSpPr>
+          <p:cNvPr id="7" name="TextBox 6">
+            <a:extLst>
+              <a:ext uri="{FF2B5EF4-FFF2-40B4-BE49-F238E27FC236}">
+                <a16:creationId xmlns:a16="http://schemas.microsoft.com/office/drawing/2014/main" id="{73939973-1532-43F5-BB0F-25AEEDB8EEFF}"/>
+              </a:ext>
+            </a:extLst>
+          </p:cNvPr>
+          <p:cNvSpPr txBox="1"/>
+          <p:nvPr/>
+        </p:nvSpPr>
+        <p:spPr>
+          <a:xfrm>
+            <a:off x="0" y="6395313"/>
+            <a:ext cx="1472647" cy="369332"/>
+          </a:xfrm>
+          <a:prstGeom prst="rect">
+            <a:avLst/>
+          </a:prstGeom>
+          <a:noFill/>
+        </p:spPr>
+        <p:txBody>
+          <a:bodyPr wrap="none" rtlCol="0">
+            <a:spAutoFit/>
+          </a:bodyPr>
+          <a:lstStyle/>
+          <a:p>
+            <a:r>
+              <a:rPr lang="en-US" dirty="0"/>
+              <a:t>D. Klug, E. </a:t>
+            </a:r>
+            <a:r>
+              <a:rPr lang="en-US" dirty="0" err="1"/>
+              <a:t>Tse</a:t>
+            </a:r>
+            <a:endParaRPr lang="en-US" dirty="0"/>
+          </a:p>
+        </p:txBody>
+      </p:sp>
+      <p:pic>
+        <p:nvPicPr>
+          <p:cNvPr id="2" name="Picture 1">
+            <a:extLst>
+              <a:ext uri="{FF2B5EF4-FFF2-40B4-BE49-F238E27FC236}">
+                <a16:creationId xmlns:a16="http://schemas.microsoft.com/office/drawing/2014/main" id="{02142297-08AB-6A4F-BE84-809812F52CD4}"/>
+              </a:ext>
+            </a:extLst>
+          </p:cNvPr>
+          <p:cNvPicPr>
+            <a:picLocks noChangeAspect="1"/>
+          </p:cNvPicPr>
+          <p:nvPr/>
+        </p:nvPicPr>
+        <p:blipFill>
+          <a:blip r:embed="rId2"/>
+          <a:stretch>
+            <a:fillRect/>
+          </a:stretch>
+        </p:blipFill>
+        <p:spPr>
+          <a:xfrm>
+            <a:off x="290456" y="1505126"/>
+            <a:ext cx="11621212" cy="3852182"/>
+          </a:xfrm>
+          <a:prstGeom prst="rect">
+            <a:avLst/>
+          </a:prstGeom>
+        </p:spPr>
+      </p:pic>
+    </p:spTree>
+    <p:extLst>
+      <p:ext uri="{BB962C8B-B14F-4D97-AF65-F5344CB8AC3E}">
+        <p14:creationId xmlns:p14="http://schemas.microsoft.com/office/powerpoint/2010/main" val="1094764042"/>
+      </p:ext>
+    </p:extLst>
+  </p:cSld>
+  <p:clrMapOvr>
+    <a:masterClrMapping/>
+  </p:clrMapOvr>
+</p:sld>
+</file>
+
+<file path=ppt/slides/slide13.xml><?xml version="1.0" encoding="utf-8"?>
+<p:sld xmlns:a="http://schemas.openxmlformats.org/drawingml/2006/main" xmlns:r="http://schemas.openxmlformats.org/officeDocument/2006/relationships" xmlns:p="http://schemas.openxmlformats.org/presentationml/2006/main">
+  <p:cSld>
+    <p:spTree>
+      <p:nvGrpSpPr>
+        <p:cNvPr id="1" name=""/>
+        <p:cNvGrpSpPr/>
+        <p:nvPr/>
+      </p:nvGrpSpPr>
+      <p:grpSpPr>
+        <a:xfrm>
+          <a:off x="0" y="0"/>
+          <a:ext cx="0" cy="0"/>
+          <a:chOff x="0" y="0"/>
+          <a:chExt cx="0" cy="0"/>
+        </a:xfrm>
+      </p:grpSpPr>
+      <p:pic>
+        <p:nvPicPr>
+          <p:cNvPr id="9" name="Picture 8">
+            <a:extLst>
+              <a:ext uri="{FF2B5EF4-FFF2-40B4-BE49-F238E27FC236}">
+                <a16:creationId xmlns:a16="http://schemas.microsoft.com/office/drawing/2014/main" id="{B91C53F5-E89A-C842-895D-6D6FAACDF947}"/>
+              </a:ext>
+            </a:extLst>
+          </p:cNvPr>
+          <p:cNvPicPr>
+            <a:picLocks noChangeAspect="1"/>
+          </p:cNvPicPr>
+          <p:nvPr/>
+        </p:nvPicPr>
+        <p:blipFill rotWithShape="1">
+          <a:blip r:embed="rId2">
+            <a:extLst>
+              <a:ext uri="{28A0092B-C50C-407E-A947-70E740481C1C}">
+                <a14:useLocalDpi xmlns:a14="http://schemas.microsoft.com/office/drawing/2010/main" val="0"/>
+              </a:ext>
+            </a:extLst>
+          </a:blip>
+          <a:srcRect t="46195" b="26397"/>
+          <a:stretch/>
+        </p:blipFill>
+        <p:spPr>
+          <a:xfrm>
+            <a:off x="4348051" y="4436436"/>
+            <a:ext cx="4057427" cy="2328209"/>
+          </a:xfrm>
+          <a:prstGeom prst="rect">
+            <a:avLst/>
+          </a:prstGeom>
+        </p:spPr>
+      </p:pic>
+      <p:sp>
+        <p:nvSpPr>
+          <p:cNvPr id="4" name="Title 3">
+            <a:extLst>
+              <a:ext uri="{FF2B5EF4-FFF2-40B4-BE49-F238E27FC236}">
+                <a16:creationId xmlns:a16="http://schemas.microsoft.com/office/drawing/2014/main" id="{13518B52-96A8-4639-BDF2-BB670311E5A2}"/>
+              </a:ext>
+            </a:extLst>
+          </p:cNvPr>
+          <p:cNvSpPr>
+            <a:spLocks noGrp="1"/>
+          </p:cNvSpPr>
+          <p:nvPr>
+            <p:ph type="title"/>
+          </p:nvPr>
+        </p:nvSpPr>
+        <p:spPr>
+          <a:xfrm>
+            <a:off x="0" y="0"/>
+            <a:ext cx="12192000" cy="980661"/>
+          </a:xfrm>
+          <a:solidFill>
+            <a:schemeClr val="accent6">
+              <a:lumMod val="20000"/>
+              <a:lumOff val="80000"/>
+            </a:schemeClr>
+          </a:solidFill>
+        </p:spPr>
+        <p:txBody>
+          <a:bodyPr/>
+          <a:lstStyle/>
+          <a:p>
+            <a:r>
+              <a:rPr lang="en-US" dirty="0"/>
+              <a:t>OSA Series 2: Chemistry Update 18/9/20</a:t>
+            </a:r>
+          </a:p>
+        </p:txBody>
+      </p:sp>
+      <p:sp>
+        <p:nvSpPr>
+          <p:cNvPr id="7" name="TextBox 6">
+            <a:extLst>
+              <a:ext uri="{FF2B5EF4-FFF2-40B4-BE49-F238E27FC236}">
+                <a16:creationId xmlns:a16="http://schemas.microsoft.com/office/drawing/2014/main" id="{73939973-1532-43F5-BB0F-25AEEDB8EEFF}"/>
+              </a:ext>
+            </a:extLst>
+          </p:cNvPr>
+          <p:cNvSpPr txBox="1"/>
+          <p:nvPr/>
+        </p:nvSpPr>
+        <p:spPr>
+          <a:xfrm>
+            <a:off x="0" y="6395313"/>
+            <a:ext cx="1472647" cy="369332"/>
+          </a:xfrm>
+          <a:prstGeom prst="rect">
+            <a:avLst/>
+          </a:prstGeom>
+          <a:noFill/>
+        </p:spPr>
+        <p:txBody>
+          <a:bodyPr wrap="none" rtlCol="0">
+            <a:spAutoFit/>
+          </a:bodyPr>
+          <a:lstStyle/>
+          <a:p>
+            <a:r>
+              <a:rPr lang="en-US" dirty="0"/>
+              <a:t>D. Klug, E. </a:t>
+            </a:r>
+            <a:r>
+              <a:rPr lang="en-US" dirty="0" err="1"/>
+              <a:t>Tse</a:t>
+            </a:r>
+            <a:endParaRPr lang="en-US" dirty="0"/>
+          </a:p>
+        </p:txBody>
+      </p:sp>
+      <p:pic>
+        <p:nvPicPr>
+          <p:cNvPr id="3" name="Picture 2">
+            <a:extLst>
+              <a:ext uri="{FF2B5EF4-FFF2-40B4-BE49-F238E27FC236}">
+                <a16:creationId xmlns:a16="http://schemas.microsoft.com/office/drawing/2014/main" id="{E1900BB8-8A79-DB40-8BA3-DEDDFFAAE611}"/>
+              </a:ext>
+            </a:extLst>
+          </p:cNvPr>
+          <p:cNvPicPr>
+            <a:picLocks noChangeAspect="1"/>
+          </p:cNvPicPr>
+          <p:nvPr/>
+        </p:nvPicPr>
+        <p:blipFill>
+          <a:blip r:embed="rId3"/>
+          <a:stretch>
+            <a:fillRect/>
+          </a:stretch>
+        </p:blipFill>
+        <p:spPr>
+          <a:xfrm>
+            <a:off x="2609369" y="1393639"/>
+            <a:ext cx="5102071" cy="2691109"/>
+          </a:xfrm>
+          <a:prstGeom prst="rect">
+            <a:avLst/>
+          </a:prstGeom>
+        </p:spPr>
+      </p:pic>
+      <p:pic>
+        <p:nvPicPr>
+          <p:cNvPr id="5" name="Picture 4">
+            <a:extLst>
+              <a:ext uri="{FF2B5EF4-FFF2-40B4-BE49-F238E27FC236}">
+                <a16:creationId xmlns:a16="http://schemas.microsoft.com/office/drawing/2014/main" id="{1ED371B1-2E92-F441-9741-E050C1C08457}"/>
+              </a:ext>
+            </a:extLst>
+          </p:cNvPr>
+          <p:cNvPicPr>
+            <a:picLocks noChangeAspect="1"/>
+          </p:cNvPicPr>
+          <p:nvPr/>
+        </p:nvPicPr>
+        <p:blipFill>
+          <a:blip r:embed="rId4"/>
+          <a:stretch>
+            <a:fillRect/>
+          </a:stretch>
+        </p:blipFill>
+        <p:spPr>
+          <a:xfrm>
+            <a:off x="419973" y="1393639"/>
+            <a:ext cx="2105347" cy="1120588"/>
+          </a:xfrm>
+          <a:prstGeom prst="rect">
+            <a:avLst/>
+          </a:prstGeom>
+        </p:spPr>
+      </p:pic>
+      <p:pic>
+        <p:nvPicPr>
+          <p:cNvPr id="8" name="Picture 7">
+            <a:extLst>
+              <a:ext uri="{FF2B5EF4-FFF2-40B4-BE49-F238E27FC236}">
+                <a16:creationId xmlns:a16="http://schemas.microsoft.com/office/drawing/2014/main" id="{60814369-DB90-DE4A-AD4E-F30546A9E577}"/>
+              </a:ext>
+            </a:extLst>
+          </p:cNvPr>
+          <p:cNvPicPr>
+            <a:picLocks noChangeAspect="1"/>
+          </p:cNvPicPr>
+          <p:nvPr/>
+        </p:nvPicPr>
+        <p:blipFill rotWithShape="1">
+          <a:blip r:embed="rId2">
+            <a:extLst>
+              <a:ext uri="{28A0092B-C50C-407E-A947-70E740481C1C}">
+                <a14:useLocalDpi xmlns:a14="http://schemas.microsoft.com/office/drawing/2010/main" val="0"/>
+              </a:ext>
+            </a:extLst>
+          </a:blip>
+          <a:srcRect b="53805"/>
+          <a:stretch/>
+        </p:blipFill>
+        <p:spPr>
+          <a:xfrm>
+            <a:off x="7902817" y="1393639"/>
+            <a:ext cx="4057427" cy="3924054"/>
+          </a:xfrm>
+          <a:prstGeom prst="rect">
+            <a:avLst/>
+          </a:prstGeom>
+        </p:spPr>
+      </p:pic>
+      <p:pic>
+        <p:nvPicPr>
+          <p:cNvPr id="10" name="Picture 9">
+            <a:extLst>
+              <a:ext uri="{FF2B5EF4-FFF2-40B4-BE49-F238E27FC236}">
+                <a16:creationId xmlns:a16="http://schemas.microsoft.com/office/drawing/2014/main" id="{47A2D0B0-B35E-0546-A7B2-A57EE07B322C}"/>
+              </a:ext>
+            </a:extLst>
+          </p:cNvPr>
+          <p:cNvPicPr>
+            <a:picLocks noChangeAspect="1"/>
+          </p:cNvPicPr>
+          <p:nvPr/>
+        </p:nvPicPr>
+        <p:blipFill rotWithShape="1">
+          <a:blip r:embed="rId2">
+            <a:extLst>
+              <a:ext uri="{28A0092B-C50C-407E-A947-70E740481C1C}">
+                <a14:useLocalDpi xmlns:a14="http://schemas.microsoft.com/office/drawing/2010/main" val="0"/>
+              </a:ext>
+            </a:extLst>
+          </a:blip>
+          <a:srcRect t="73971"/>
+          <a:stretch/>
+        </p:blipFill>
+        <p:spPr>
+          <a:xfrm>
+            <a:off x="496606" y="4184258"/>
+            <a:ext cx="4057427" cy="2211055"/>
+          </a:xfrm>
+          <a:prstGeom prst="rect">
+            <a:avLst/>
+          </a:prstGeom>
+        </p:spPr>
+      </p:pic>
+    </p:spTree>
+    <p:extLst>
+      <p:ext uri="{BB962C8B-B14F-4D97-AF65-F5344CB8AC3E}">
+        <p14:creationId xmlns:p14="http://schemas.microsoft.com/office/powerpoint/2010/main" val="659264251"/>
+      </p:ext>
+    </p:extLst>
+  </p:cSld>
+  <p:clrMapOvr>
+    <a:masterClrMapping/>
+  </p:clrMapOvr>
+</p:sld>
+</file>
+
 <file path=ppt/slides/slide2.xml><?xml version="1.0" encoding="utf-8"?>
 <p:sld xmlns:a="http://schemas.openxmlformats.org/drawingml/2006/main" xmlns:r="http://schemas.openxmlformats.org/officeDocument/2006/relationships" xmlns:p="http://schemas.openxmlformats.org/presentationml/2006/main">
   <p:cSld>
@@ -3924,7 +5623,7 @@
           <a:graphicData uri="http://schemas.openxmlformats.org/presentationml/2006/ole">
             <mc:AlternateContent xmlns:mc="http://schemas.openxmlformats.org/markup-compatibility/2006">
               <mc:Choice xmlns:v="urn:schemas-microsoft-com:vml" Requires="v">
-                <p:oleObj spid="_x0000_s1026" name="CS ChemDraw Drawing" r:id="rId3" imgW="13032709" imgH="3250362" progId="ChemDraw.Document.6.0">
+                <p:oleObj spid="_x0000_s1045" name="CS ChemDraw Drawing" r:id="rId3" imgW="13032709" imgH="3250362" progId="ChemDraw.Document.6.0">
                   <p:embed/>
                 </p:oleObj>
               </mc:Choice>
@@ -4228,6 +5927,2251 @@
     <p:extLst>
       <p:ext uri="{BB962C8B-B14F-4D97-AF65-F5344CB8AC3E}">
         <p14:creationId xmlns:p14="http://schemas.microsoft.com/office/powerpoint/2010/main" val="1620910549"/>
+      </p:ext>
+    </p:extLst>
+  </p:cSld>
+  <p:clrMapOvr>
+    <a:masterClrMapping/>
+  </p:clrMapOvr>
+</p:sld>
+</file>
+
+<file path=ppt/slides/slide5.xml><?xml version="1.0" encoding="utf-8"?>
+<p:sld xmlns:a="http://schemas.openxmlformats.org/drawingml/2006/main" xmlns:r="http://schemas.openxmlformats.org/officeDocument/2006/relationships" xmlns:p="http://schemas.openxmlformats.org/presentationml/2006/main">
+  <p:cSld>
+    <p:spTree>
+      <p:nvGrpSpPr>
+        <p:cNvPr id="1" name=""/>
+        <p:cNvGrpSpPr/>
+        <p:nvPr/>
+      </p:nvGrpSpPr>
+      <p:grpSpPr>
+        <a:xfrm>
+          <a:off x="0" y="0"/>
+          <a:ext cx="0" cy="0"/>
+          <a:chOff x="0" y="0"/>
+          <a:chExt cx="0" cy="0"/>
+        </a:xfrm>
+      </p:grpSpPr>
+      <p:sp>
+        <p:nvSpPr>
+          <p:cNvPr id="4" name="Title 3">
+            <a:extLst>
+              <a:ext uri="{FF2B5EF4-FFF2-40B4-BE49-F238E27FC236}">
+                <a16:creationId xmlns:a16="http://schemas.microsoft.com/office/drawing/2014/main" id="{13518B52-96A8-4639-BDF2-BB670311E5A2}"/>
+              </a:ext>
+            </a:extLst>
+          </p:cNvPr>
+          <p:cNvSpPr>
+            <a:spLocks noGrp="1"/>
+          </p:cNvSpPr>
+          <p:nvPr>
+            <p:ph type="title"/>
+          </p:nvPr>
+        </p:nvSpPr>
+        <p:spPr>
+          <a:xfrm>
+            <a:off x="0" y="0"/>
+            <a:ext cx="12192000" cy="980661"/>
+          </a:xfrm>
+          <a:solidFill>
+            <a:schemeClr val="accent6">
+              <a:lumMod val="20000"/>
+              <a:lumOff val="80000"/>
+            </a:schemeClr>
+          </a:solidFill>
+        </p:spPr>
+        <p:txBody>
+          <a:bodyPr/>
+          <a:lstStyle/>
+          <a:p>
+            <a:r>
+              <a:rPr lang="en-US" dirty="0"/>
+              <a:t>OSA Series 2: Chemistry Update 4/9/20</a:t>
+            </a:r>
+          </a:p>
+        </p:txBody>
+      </p:sp>
+      <p:sp>
+        <p:nvSpPr>
+          <p:cNvPr id="7" name="TextBox 6">
+            <a:extLst>
+              <a:ext uri="{FF2B5EF4-FFF2-40B4-BE49-F238E27FC236}">
+                <a16:creationId xmlns:a16="http://schemas.microsoft.com/office/drawing/2014/main" id="{73939973-1532-43F5-BB0F-25AEEDB8EEFF}"/>
+              </a:ext>
+            </a:extLst>
+          </p:cNvPr>
+          <p:cNvSpPr txBox="1"/>
+          <p:nvPr/>
+        </p:nvSpPr>
+        <p:spPr>
+          <a:xfrm>
+            <a:off x="0" y="6395313"/>
+            <a:ext cx="1472647" cy="369332"/>
+          </a:xfrm>
+          <a:prstGeom prst="rect">
+            <a:avLst/>
+          </a:prstGeom>
+          <a:noFill/>
+        </p:spPr>
+        <p:txBody>
+          <a:bodyPr wrap="none" rtlCol="0">
+            <a:spAutoFit/>
+          </a:bodyPr>
+          <a:lstStyle/>
+          <a:p>
+            <a:r>
+              <a:rPr lang="en-US" dirty="0"/>
+              <a:t>D. Klug, E. </a:t>
+            </a:r>
+            <a:r>
+              <a:rPr lang="en-US" dirty="0" err="1"/>
+              <a:t>Tse</a:t>
+            </a:r>
+            <a:endParaRPr lang="en-US" dirty="0"/>
+          </a:p>
+        </p:txBody>
+      </p:sp>
+      <p:graphicFrame>
+        <p:nvGraphicFramePr>
+          <p:cNvPr id="5" name="Object 4">
+            <a:extLst>
+              <a:ext uri="{FF2B5EF4-FFF2-40B4-BE49-F238E27FC236}">
+                <a16:creationId xmlns:a16="http://schemas.microsoft.com/office/drawing/2014/main" id="{68F3D4F4-8AC2-1B4E-AF86-D62F7F44B940}"/>
+              </a:ext>
+            </a:extLst>
+          </p:cNvPr>
+          <p:cNvGraphicFramePr>
+            <a:graphicFrameLocks noChangeAspect="1"/>
+          </p:cNvGraphicFramePr>
+          <p:nvPr>
+            <p:extLst>
+              <p:ext uri="{D42A27DB-BD31-4B8C-83A1-F6EECF244321}">
+                <p14:modId xmlns:p14="http://schemas.microsoft.com/office/powerpoint/2010/main" val="3261542254"/>
+              </p:ext>
+            </p:extLst>
+          </p:nvPr>
+        </p:nvGraphicFramePr>
+        <p:xfrm>
+          <a:off x="231775" y="1155700"/>
+          <a:ext cx="11728450" cy="2925763"/>
+        </p:xfrm>
+        <a:graphic>
+          <a:graphicData uri="http://schemas.openxmlformats.org/presentationml/2006/ole">
+            <mc:AlternateContent xmlns:mc="http://schemas.openxmlformats.org/markup-compatibility/2006">
+              <mc:Choice xmlns:v="urn:schemas-microsoft-com:vml" Requires="v">
+                <p:oleObj spid="_x0000_s2081" name="CS ChemDraw Drawing" r:id="rId3" imgW="13032709" imgH="3250362" progId="ChemDraw.Document.6.0">
+                  <p:embed/>
+                </p:oleObj>
+              </mc:Choice>
+              <mc:Fallback>
+                <p:oleObj name="CS ChemDraw Drawing" r:id="rId3" imgW="13032709" imgH="3250362" progId="ChemDraw.Document.6.0">
+                  <p:embed/>
+                  <p:pic>
+                    <p:nvPicPr>
+                      <p:cNvPr id="2" name="Object 1">
+                        <a:extLst>
+                          <a:ext uri="{FF2B5EF4-FFF2-40B4-BE49-F238E27FC236}">
+                            <a16:creationId xmlns:a16="http://schemas.microsoft.com/office/drawing/2014/main" id="{467994F0-67B4-4E1B-B2C2-C3091A3CB05D}"/>
+                          </a:ext>
+                        </a:extLst>
+                      </p:cNvPr>
+                      <p:cNvPicPr/>
+                      <p:nvPr/>
+                    </p:nvPicPr>
+                    <p:blipFill>
+                      <a:blip r:embed="rId4"/>
+                      <a:stretch>
+                        <a:fillRect/>
+                      </a:stretch>
+                    </p:blipFill>
+                    <p:spPr>
+                      <a:xfrm>
+                        <a:off x="231775" y="1155700"/>
+                        <a:ext cx="11728450" cy="2925763"/>
+                      </a:xfrm>
+                      <a:prstGeom prst="rect">
+                        <a:avLst/>
+                      </a:prstGeom>
+                    </p:spPr>
+                  </p:pic>
+                </p:oleObj>
+              </mc:Fallback>
+            </mc:AlternateContent>
+          </a:graphicData>
+        </a:graphic>
+      </p:graphicFrame>
+      <p:graphicFrame>
+        <p:nvGraphicFramePr>
+          <p:cNvPr id="6" name="Object 5">
+            <a:extLst>
+              <a:ext uri="{FF2B5EF4-FFF2-40B4-BE49-F238E27FC236}">
+                <a16:creationId xmlns:a16="http://schemas.microsoft.com/office/drawing/2014/main" id="{5139FE56-0BFB-614E-87C6-FAF1A1B1923F}"/>
+              </a:ext>
+            </a:extLst>
+          </p:cNvPr>
+          <p:cNvGraphicFramePr>
+            <a:graphicFrameLocks noChangeAspect="1"/>
+          </p:cNvGraphicFramePr>
+          <p:nvPr>
+            <p:extLst>
+              <p:ext uri="{D42A27DB-BD31-4B8C-83A1-F6EECF244321}">
+                <p14:modId xmlns:p14="http://schemas.microsoft.com/office/powerpoint/2010/main" val="2198451702"/>
+              </p:ext>
+            </p:extLst>
+          </p:nvPr>
+        </p:nvGraphicFramePr>
+        <p:xfrm>
+          <a:off x="3046411" y="4161145"/>
+          <a:ext cx="6911975" cy="2603500"/>
+        </p:xfrm>
+        <a:graphic>
+          <a:graphicData uri="http://schemas.openxmlformats.org/presentationml/2006/ole">
+            <mc:AlternateContent xmlns:mc="http://schemas.openxmlformats.org/markup-compatibility/2006">
+              <mc:Choice xmlns:v="urn:schemas-microsoft-com:vml" Requires="v">
+                <p:oleObj spid="_x0000_s2082" name="CS ChemDraw Drawing" r:id="rId5" imgW="6912552" imgH="2604060" progId="ChemDraw.Document.6.0">
+                  <p:embed/>
+                </p:oleObj>
+              </mc:Choice>
+              <mc:Fallback>
+                <p:oleObj name="CS ChemDraw Drawing" r:id="rId5" imgW="6912552" imgH="2604060" progId="ChemDraw.Document.6.0">
+                  <p:embed/>
+                  <p:pic>
+                    <p:nvPicPr>
+                      <p:cNvPr id="3" name="Object 2">
+                        <a:extLst>
+                          <a:ext uri="{FF2B5EF4-FFF2-40B4-BE49-F238E27FC236}">
+                            <a16:creationId xmlns:a16="http://schemas.microsoft.com/office/drawing/2014/main" id="{9E7748DD-878A-49BE-92DB-62C11F9E326A}"/>
+                          </a:ext>
+                        </a:extLst>
+                      </p:cNvPr>
+                      <p:cNvPicPr/>
+                      <p:nvPr/>
+                    </p:nvPicPr>
+                    <p:blipFill>
+                      <a:blip r:embed="rId6"/>
+                      <a:stretch>
+                        <a:fillRect/>
+                      </a:stretch>
+                    </p:blipFill>
+                    <p:spPr>
+                      <a:xfrm>
+                        <a:off x="3046411" y="4161145"/>
+                        <a:ext cx="6911975" cy="2603500"/>
+                      </a:xfrm>
+                      <a:prstGeom prst="rect">
+                        <a:avLst/>
+                      </a:prstGeom>
+                      <a:ln>
+                        <a:solidFill>
+                          <a:schemeClr val="tx1"/>
+                        </a:solidFill>
+                      </a:ln>
+                    </p:spPr>
+                  </p:pic>
+                </p:oleObj>
+              </mc:Fallback>
+            </mc:AlternateContent>
+          </a:graphicData>
+        </a:graphic>
+      </p:graphicFrame>
+      <p:sp>
+        <p:nvSpPr>
+          <p:cNvPr id="2" name="TextBox 1">
+            <a:extLst>
+              <a:ext uri="{FF2B5EF4-FFF2-40B4-BE49-F238E27FC236}">
+                <a16:creationId xmlns:a16="http://schemas.microsoft.com/office/drawing/2014/main" id="{CF9DF775-5309-CF44-B635-73A06CA37CA2}"/>
+              </a:ext>
+            </a:extLst>
+          </p:cNvPr>
+          <p:cNvSpPr txBox="1"/>
+          <p:nvPr/>
+        </p:nvSpPr>
+        <p:spPr>
+          <a:xfrm>
+            <a:off x="1794933" y="5139729"/>
+            <a:ext cx="1828800" cy="646331"/>
+          </a:xfrm>
+          <a:prstGeom prst="rect">
+            <a:avLst/>
+          </a:prstGeom>
+          <a:noFill/>
+        </p:spPr>
+        <p:txBody>
+          <a:bodyPr wrap="square" rtlCol="0">
+            <a:spAutoFit/>
+          </a:bodyPr>
+          <a:lstStyle/>
+          <a:p>
+            <a:r>
+              <a:rPr lang="en-US" dirty="0"/>
+              <a:t>Proposed Analogues</a:t>
+            </a:r>
+          </a:p>
+        </p:txBody>
+      </p:sp>
+    </p:spTree>
+    <p:extLst>
+      <p:ext uri="{BB962C8B-B14F-4D97-AF65-F5344CB8AC3E}">
+        <p14:creationId xmlns:p14="http://schemas.microsoft.com/office/powerpoint/2010/main" val="1818296080"/>
+      </p:ext>
+    </p:extLst>
+  </p:cSld>
+  <p:clrMapOvr>
+    <a:masterClrMapping/>
+  </p:clrMapOvr>
+</p:sld>
+</file>
+
+<file path=ppt/slides/slide6.xml><?xml version="1.0" encoding="utf-8"?>
+<p:sld xmlns:a="http://schemas.openxmlformats.org/drawingml/2006/main" xmlns:r="http://schemas.openxmlformats.org/officeDocument/2006/relationships" xmlns:p="http://schemas.openxmlformats.org/presentationml/2006/main">
+  <p:cSld>
+    <p:spTree>
+      <p:nvGrpSpPr>
+        <p:cNvPr id="1" name=""/>
+        <p:cNvGrpSpPr/>
+        <p:nvPr/>
+      </p:nvGrpSpPr>
+      <p:grpSpPr>
+        <a:xfrm>
+          <a:off x="0" y="0"/>
+          <a:ext cx="0" cy="0"/>
+          <a:chOff x="0" y="0"/>
+          <a:chExt cx="0" cy="0"/>
+        </a:xfrm>
+      </p:grpSpPr>
+      <p:sp>
+        <p:nvSpPr>
+          <p:cNvPr id="4" name="Title 3">
+            <a:extLst>
+              <a:ext uri="{FF2B5EF4-FFF2-40B4-BE49-F238E27FC236}">
+                <a16:creationId xmlns:a16="http://schemas.microsoft.com/office/drawing/2014/main" id="{13518B52-96A8-4639-BDF2-BB670311E5A2}"/>
+              </a:ext>
+            </a:extLst>
+          </p:cNvPr>
+          <p:cNvSpPr>
+            <a:spLocks noGrp="1"/>
+          </p:cNvSpPr>
+          <p:nvPr>
+            <p:ph type="title"/>
+          </p:nvPr>
+        </p:nvSpPr>
+        <p:spPr>
+          <a:xfrm>
+            <a:off x="0" y="0"/>
+            <a:ext cx="12192000" cy="980661"/>
+          </a:xfrm>
+          <a:solidFill>
+            <a:schemeClr val="accent6">
+              <a:lumMod val="20000"/>
+              <a:lumOff val="80000"/>
+            </a:schemeClr>
+          </a:solidFill>
+        </p:spPr>
+        <p:txBody>
+          <a:bodyPr/>
+          <a:lstStyle/>
+          <a:p>
+            <a:r>
+              <a:rPr lang="en-US" dirty="0"/>
+              <a:t>OSA Series 2: Chemistry Update 4/9/20</a:t>
+            </a:r>
+          </a:p>
+        </p:txBody>
+      </p:sp>
+      <p:sp>
+        <p:nvSpPr>
+          <p:cNvPr id="7" name="TextBox 6">
+            <a:extLst>
+              <a:ext uri="{FF2B5EF4-FFF2-40B4-BE49-F238E27FC236}">
+                <a16:creationId xmlns:a16="http://schemas.microsoft.com/office/drawing/2014/main" id="{73939973-1532-43F5-BB0F-25AEEDB8EEFF}"/>
+              </a:ext>
+            </a:extLst>
+          </p:cNvPr>
+          <p:cNvSpPr txBox="1"/>
+          <p:nvPr/>
+        </p:nvSpPr>
+        <p:spPr>
+          <a:xfrm>
+            <a:off x="0" y="6395313"/>
+            <a:ext cx="1472647" cy="369332"/>
+          </a:xfrm>
+          <a:prstGeom prst="rect">
+            <a:avLst/>
+          </a:prstGeom>
+          <a:noFill/>
+        </p:spPr>
+        <p:txBody>
+          <a:bodyPr wrap="none" rtlCol="0">
+            <a:spAutoFit/>
+          </a:bodyPr>
+          <a:lstStyle/>
+          <a:p>
+            <a:r>
+              <a:rPr lang="en-US" dirty="0"/>
+              <a:t>D. Klug, E. </a:t>
+            </a:r>
+            <a:r>
+              <a:rPr lang="en-US" dirty="0" err="1"/>
+              <a:t>Tse</a:t>
+            </a:r>
+            <a:endParaRPr lang="en-US" dirty="0"/>
+          </a:p>
+        </p:txBody>
+      </p:sp>
+      <p:pic>
+        <p:nvPicPr>
+          <p:cNvPr id="3" name="Picture 2">
+            <a:extLst>
+              <a:ext uri="{FF2B5EF4-FFF2-40B4-BE49-F238E27FC236}">
+                <a16:creationId xmlns:a16="http://schemas.microsoft.com/office/drawing/2014/main" id="{EB02E491-1AC0-704A-A838-C03090588CF8}"/>
+              </a:ext>
+            </a:extLst>
+          </p:cNvPr>
+          <p:cNvPicPr>
+            <a:picLocks noChangeAspect="1"/>
+          </p:cNvPicPr>
+          <p:nvPr/>
+        </p:nvPicPr>
+        <p:blipFill>
+          <a:blip r:embed="rId2"/>
+          <a:stretch>
+            <a:fillRect/>
+          </a:stretch>
+        </p:blipFill>
+        <p:spPr>
+          <a:xfrm>
+            <a:off x="1432028" y="1678139"/>
+            <a:ext cx="4225947" cy="2045483"/>
+          </a:xfrm>
+          <a:prstGeom prst="rect">
+            <a:avLst/>
+          </a:prstGeom>
+        </p:spPr>
+      </p:pic>
+      <p:pic>
+        <p:nvPicPr>
+          <p:cNvPr id="9" name="Picture 8">
+            <a:extLst>
+              <a:ext uri="{FF2B5EF4-FFF2-40B4-BE49-F238E27FC236}">
+                <a16:creationId xmlns:a16="http://schemas.microsoft.com/office/drawing/2014/main" id="{E4586EFB-53A3-1F45-9EFF-5EBD1308C6E1}"/>
+              </a:ext>
+            </a:extLst>
+          </p:cNvPr>
+          <p:cNvPicPr>
+            <a:picLocks noChangeAspect="1"/>
+          </p:cNvPicPr>
+          <p:nvPr/>
+        </p:nvPicPr>
+        <p:blipFill>
+          <a:blip r:embed="rId3"/>
+          <a:stretch>
+            <a:fillRect/>
+          </a:stretch>
+        </p:blipFill>
+        <p:spPr>
+          <a:xfrm>
+            <a:off x="1522217" y="4338510"/>
+            <a:ext cx="9147566" cy="1941651"/>
+          </a:xfrm>
+          <a:prstGeom prst="rect">
+            <a:avLst/>
+          </a:prstGeom>
+        </p:spPr>
+      </p:pic>
+      <p:cxnSp>
+        <p:nvCxnSpPr>
+          <p:cNvPr id="11" name="Straight Connector 10">
+            <a:extLst>
+              <a:ext uri="{FF2B5EF4-FFF2-40B4-BE49-F238E27FC236}">
+                <a16:creationId xmlns:a16="http://schemas.microsoft.com/office/drawing/2014/main" id="{3F33A125-C220-0C48-AB23-EE7F6D21DFF3}"/>
+              </a:ext>
+            </a:extLst>
+          </p:cNvPr>
+          <p:cNvCxnSpPr>
+            <a:cxnSpLocks/>
+          </p:cNvCxnSpPr>
+          <p:nvPr/>
+        </p:nvCxnSpPr>
+        <p:spPr>
+          <a:xfrm>
+            <a:off x="6096000" y="1613316"/>
+            <a:ext cx="0" cy="2610043"/>
+          </a:xfrm>
+          <a:prstGeom prst="line">
+            <a:avLst/>
+          </a:prstGeom>
+        </p:spPr>
+        <p:style>
+          <a:lnRef idx="1">
+            <a:schemeClr val="accent1"/>
+          </a:lnRef>
+          <a:fillRef idx="0">
+            <a:schemeClr val="accent1"/>
+          </a:fillRef>
+          <a:effectRef idx="0">
+            <a:schemeClr val="accent1"/>
+          </a:effectRef>
+          <a:fontRef idx="minor">
+            <a:schemeClr val="tx1"/>
+          </a:fontRef>
+        </p:style>
+      </p:cxnSp>
+      <p:cxnSp>
+        <p:nvCxnSpPr>
+          <p:cNvPr id="13" name="Straight Connector 12">
+            <a:extLst>
+              <a:ext uri="{FF2B5EF4-FFF2-40B4-BE49-F238E27FC236}">
+                <a16:creationId xmlns:a16="http://schemas.microsoft.com/office/drawing/2014/main" id="{BEDF5256-1F8D-AF43-9DB9-A08E17C5300D}"/>
+              </a:ext>
+            </a:extLst>
+          </p:cNvPr>
+          <p:cNvCxnSpPr>
+            <a:cxnSpLocks/>
+          </p:cNvCxnSpPr>
+          <p:nvPr/>
+        </p:nvCxnSpPr>
+        <p:spPr>
+          <a:xfrm flipH="1">
+            <a:off x="1210848" y="4223359"/>
+            <a:ext cx="9770303" cy="0"/>
+          </a:xfrm>
+          <a:prstGeom prst="line">
+            <a:avLst/>
+          </a:prstGeom>
+        </p:spPr>
+        <p:style>
+          <a:lnRef idx="1">
+            <a:schemeClr val="accent1"/>
+          </a:lnRef>
+          <a:fillRef idx="0">
+            <a:schemeClr val="accent1"/>
+          </a:fillRef>
+          <a:effectRef idx="0">
+            <a:schemeClr val="accent1"/>
+          </a:effectRef>
+          <a:fontRef idx="minor">
+            <a:schemeClr val="tx1"/>
+          </a:fontRef>
+        </p:style>
+      </p:cxnSp>
+      <p:pic>
+        <p:nvPicPr>
+          <p:cNvPr id="2" name="Picture 1">
+            <a:extLst>
+              <a:ext uri="{FF2B5EF4-FFF2-40B4-BE49-F238E27FC236}">
+                <a16:creationId xmlns:a16="http://schemas.microsoft.com/office/drawing/2014/main" id="{6202EE19-FFC3-C54A-8A1F-ED1DA2F25C1A}"/>
+              </a:ext>
+            </a:extLst>
+          </p:cNvPr>
+          <p:cNvPicPr>
+            <a:picLocks noChangeAspect="1"/>
+          </p:cNvPicPr>
+          <p:nvPr/>
+        </p:nvPicPr>
+        <p:blipFill>
+          <a:blip r:embed="rId4"/>
+          <a:stretch>
+            <a:fillRect/>
+          </a:stretch>
+        </p:blipFill>
+        <p:spPr>
+          <a:xfrm>
+            <a:off x="6760556" y="2283424"/>
+            <a:ext cx="3703058" cy="1738380"/>
+          </a:xfrm>
+          <a:prstGeom prst="rect">
+            <a:avLst/>
+          </a:prstGeom>
+        </p:spPr>
+      </p:pic>
+    </p:spTree>
+    <p:extLst>
+      <p:ext uri="{BB962C8B-B14F-4D97-AF65-F5344CB8AC3E}">
+        <p14:creationId xmlns:p14="http://schemas.microsoft.com/office/powerpoint/2010/main" val="3458331162"/>
+      </p:ext>
+    </p:extLst>
+  </p:cSld>
+  <p:clrMapOvr>
+    <a:masterClrMapping/>
+  </p:clrMapOvr>
+</p:sld>
+</file>
+
+<file path=ppt/slides/slide7.xml><?xml version="1.0" encoding="utf-8"?>
+<p:sld xmlns:a="http://schemas.openxmlformats.org/drawingml/2006/main" xmlns:r="http://schemas.openxmlformats.org/officeDocument/2006/relationships" xmlns:p="http://schemas.openxmlformats.org/presentationml/2006/main">
+  <p:cSld>
+    <p:spTree>
+      <p:nvGrpSpPr>
+        <p:cNvPr id="1" name=""/>
+        <p:cNvGrpSpPr/>
+        <p:nvPr/>
+      </p:nvGrpSpPr>
+      <p:grpSpPr>
+        <a:xfrm>
+          <a:off x="0" y="0"/>
+          <a:ext cx="0" cy="0"/>
+          <a:chOff x="0" y="0"/>
+          <a:chExt cx="0" cy="0"/>
+        </a:xfrm>
+      </p:grpSpPr>
+      <p:sp>
+        <p:nvSpPr>
+          <p:cNvPr id="4" name="Title 3">
+            <a:extLst>
+              <a:ext uri="{FF2B5EF4-FFF2-40B4-BE49-F238E27FC236}">
+                <a16:creationId xmlns:a16="http://schemas.microsoft.com/office/drawing/2014/main" id="{13518B52-96A8-4639-BDF2-BB670311E5A2}"/>
+              </a:ext>
+            </a:extLst>
+          </p:cNvPr>
+          <p:cNvSpPr>
+            <a:spLocks noGrp="1"/>
+          </p:cNvSpPr>
+          <p:nvPr>
+            <p:ph type="title"/>
+          </p:nvPr>
+        </p:nvSpPr>
+        <p:spPr>
+          <a:xfrm>
+            <a:off x="0" y="0"/>
+            <a:ext cx="12192000" cy="980661"/>
+          </a:xfrm>
+          <a:solidFill>
+            <a:schemeClr val="accent6">
+              <a:lumMod val="20000"/>
+              <a:lumOff val="80000"/>
+            </a:schemeClr>
+          </a:solidFill>
+        </p:spPr>
+        <p:txBody>
+          <a:bodyPr/>
+          <a:lstStyle/>
+          <a:p>
+            <a:r>
+              <a:rPr lang="en-US" dirty="0"/>
+              <a:t>OSA Series 2: Chemistry Update 11/9/20</a:t>
+            </a:r>
+          </a:p>
+        </p:txBody>
+      </p:sp>
+      <p:sp>
+        <p:nvSpPr>
+          <p:cNvPr id="7" name="TextBox 6">
+            <a:extLst>
+              <a:ext uri="{FF2B5EF4-FFF2-40B4-BE49-F238E27FC236}">
+                <a16:creationId xmlns:a16="http://schemas.microsoft.com/office/drawing/2014/main" id="{73939973-1532-43F5-BB0F-25AEEDB8EEFF}"/>
+              </a:ext>
+            </a:extLst>
+          </p:cNvPr>
+          <p:cNvSpPr txBox="1"/>
+          <p:nvPr/>
+        </p:nvSpPr>
+        <p:spPr>
+          <a:xfrm>
+            <a:off x="0" y="6395313"/>
+            <a:ext cx="1472647" cy="369332"/>
+          </a:xfrm>
+          <a:prstGeom prst="rect">
+            <a:avLst/>
+          </a:prstGeom>
+          <a:noFill/>
+        </p:spPr>
+        <p:txBody>
+          <a:bodyPr wrap="none" rtlCol="0">
+            <a:spAutoFit/>
+          </a:bodyPr>
+          <a:lstStyle/>
+          <a:p>
+            <a:r>
+              <a:rPr lang="en-US" dirty="0"/>
+              <a:t>D. Klug, E. </a:t>
+            </a:r>
+            <a:r>
+              <a:rPr lang="en-US" dirty="0" err="1"/>
+              <a:t>Tse</a:t>
+            </a:r>
+            <a:endParaRPr lang="en-US" dirty="0"/>
+          </a:p>
+        </p:txBody>
+      </p:sp>
+      <p:sp>
+        <p:nvSpPr>
+          <p:cNvPr id="12" name="TextBox 11">
+            <a:extLst>
+              <a:ext uri="{FF2B5EF4-FFF2-40B4-BE49-F238E27FC236}">
+                <a16:creationId xmlns:a16="http://schemas.microsoft.com/office/drawing/2014/main" id="{45956EFA-1CC6-4147-8A43-7DC2890D3F89}"/>
+              </a:ext>
+            </a:extLst>
+          </p:cNvPr>
+          <p:cNvSpPr txBox="1"/>
+          <p:nvPr/>
+        </p:nvSpPr>
+        <p:spPr>
+          <a:xfrm>
+            <a:off x="212035" y="1379506"/>
+            <a:ext cx="5897320" cy="369332"/>
+          </a:xfrm>
+          <a:prstGeom prst="rect">
+            <a:avLst/>
+          </a:prstGeom>
+          <a:noFill/>
+        </p:spPr>
+        <p:txBody>
+          <a:bodyPr wrap="none" rtlCol="0">
+            <a:spAutoFit/>
+          </a:bodyPr>
+          <a:lstStyle/>
+          <a:p>
+            <a:r>
+              <a:rPr lang="en-US" dirty="0"/>
+              <a:t>Compounds delivered to Paul Stapleton (MRSA assay) 9/9/20</a:t>
+            </a:r>
+          </a:p>
+        </p:txBody>
+      </p:sp>
+      <p:pic>
+        <p:nvPicPr>
+          <p:cNvPr id="6" name="Picture 5">
+            <a:extLst>
+              <a:ext uri="{FF2B5EF4-FFF2-40B4-BE49-F238E27FC236}">
+                <a16:creationId xmlns:a16="http://schemas.microsoft.com/office/drawing/2014/main" id="{FBF40A1C-6328-E442-8FED-F76767181A53}"/>
+              </a:ext>
+            </a:extLst>
+          </p:cNvPr>
+          <p:cNvPicPr>
+            <a:picLocks noChangeAspect="1"/>
+          </p:cNvPicPr>
+          <p:nvPr/>
+        </p:nvPicPr>
+        <p:blipFill>
+          <a:blip r:embed="rId2">
+            <a:extLst>
+              <a:ext uri="{28A0092B-C50C-407E-A947-70E740481C1C}">
+                <a14:useLocalDpi xmlns:a14="http://schemas.microsoft.com/office/drawing/2010/main" val="0"/>
+              </a:ext>
+            </a:extLst>
+          </a:blip>
+          <a:stretch>
+            <a:fillRect/>
+          </a:stretch>
+        </p:blipFill>
+        <p:spPr>
+          <a:xfrm>
+            <a:off x="3050652" y="1924166"/>
+            <a:ext cx="6090696" cy="4471147"/>
+          </a:xfrm>
+          <a:prstGeom prst="rect">
+            <a:avLst/>
+          </a:prstGeom>
+        </p:spPr>
+      </p:pic>
+    </p:spTree>
+    <p:extLst>
+      <p:ext uri="{BB962C8B-B14F-4D97-AF65-F5344CB8AC3E}">
+        <p14:creationId xmlns:p14="http://schemas.microsoft.com/office/powerpoint/2010/main" val="65684832"/>
+      </p:ext>
+    </p:extLst>
+  </p:cSld>
+  <p:clrMapOvr>
+    <a:masterClrMapping/>
+  </p:clrMapOvr>
+</p:sld>
+</file>
+
+<file path=ppt/slides/slide8.xml><?xml version="1.0" encoding="utf-8"?>
+<p:sld xmlns:a="http://schemas.openxmlformats.org/drawingml/2006/main" xmlns:r="http://schemas.openxmlformats.org/officeDocument/2006/relationships" xmlns:p="http://schemas.openxmlformats.org/presentationml/2006/main">
+  <p:cSld>
+    <p:spTree>
+      <p:nvGrpSpPr>
+        <p:cNvPr id="1" name=""/>
+        <p:cNvGrpSpPr/>
+        <p:nvPr/>
+      </p:nvGrpSpPr>
+      <p:grpSpPr>
+        <a:xfrm>
+          <a:off x="0" y="0"/>
+          <a:ext cx="0" cy="0"/>
+          <a:chOff x="0" y="0"/>
+          <a:chExt cx="0" cy="0"/>
+        </a:xfrm>
+      </p:grpSpPr>
+      <p:sp>
+        <p:nvSpPr>
+          <p:cNvPr id="4" name="Title 3">
+            <a:extLst>
+              <a:ext uri="{FF2B5EF4-FFF2-40B4-BE49-F238E27FC236}">
+                <a16:creationId xmlns:a16="http://schemas.microsoft.com/office/drawing/2014/main" id="{13518B52-96A8-4639-BDF2-BB670311E5A2}"/>
+              </a:ext>
+            </a:extLst>
+          </p:cNvPr>
+          <p:cNvSpPr>
+            <a:spLocks noGrp="1"/>
+          </p:cNvSpPr>
+          <p:nvPr>
+            <p:ph type="title"/>
+          </p:nvPr>
+        </p:nvSpPr>
+        <p:spPr>
+          <a:xfrm>
+            <a:off x="0" y="0"/>
+            <a:ext cx="12192000" cy="980661"/>
+          </a:xfrm>
+          <a:solidFill>
+            <a:schemeClr val="accent6">
+              <a:lumMod val="20000"/>
+              <a:lumOff val="80000"/>
+            </a:schemeClr>
+          </a:solidFill>
+        </p:spPr>
+        <p:txBody>
+          <a:bodyPr/>
+          <a:lstStyle/>
+          <a:p>
+            <a:r>
+              <a:rPr lang="en-US" dirty="0"/>
+              <a:t>OSA Series 2: Chemistry Update 11/9/20</a:t>
+            </a:r>
+          </a:p>
+        </p:txBody>
+      </p:sp>
+      <p:sp>
+        <p:nvSpPr>
+          <p:cNvPr id="7" name="TextBox 6">
+            <a:extLst>
+              <a:ext uri="{FF2B5EF4-FFF2-40B4-BE49-F238E27FC236}">
+                <a16:creationId xmlns:a16="http://schemas.microsoft.com/office/drawing/2014/main" id="{73939973-1532-43F5-BB0F-25AEEDB8EEFF}"/>
+              </a:ext>
+            </a:extLst>
+          </p:cNvPr>
+          <p:cNvSpPr txBox="1"/>
+          <p:nvPr/>
+        </p:nvSpPr>
+        <p:spPr>
+          <a:xfrm>
+            <a:off x="0" y="6395313"/>
+            <a:ext cx="1472647" cy="369332"/>
+          </a:xfrm>
+          <a:prstGeom prst="rect">
+            <a:avLst/>
+          </a:prstGeom>
+          <a:noFill/>
+        </p:spPr>
+        <p:txBody>
+          <a:bodyPr wrap="none" rtlCol="0">
+            <a:spAutoFit/>
+          </a:bodyPr>
+          <a:lstStyle/>
+          <a:p>
+            <a:r>
+              <a:rPr lang="en-US" dirty="0"/>
+              <a:t>D. Klug, E. </a:t>
+            </a:r>
+            <a:r>
+              <a:rPr lang="en-US" dirty="0" err="1"/>
+              <a:t>Tse</a:t>
+            </a:r>
+            <a:endParaRPr lang="en-US" dirty="0"/>
+          </a:p>
+        </p:txBody>
+      </p:sp>
+      <p:graphicFrame>
+        <p:nvGraphicFramePr>
+          <p:cNvPr id="8" name="Table 4">
+            <a:extLst>
+              <a:ext uri="{FF2B5EF4-FFF2-40B4-BE49-F238E27FC236}">
+                <a16:creationId xmlns:a16="http://schemas.microsoft.com/office/drawing/2014/main" id="{9E86A3A7-DE8B-834E-A1E6-09FF9111B5EB}"/>
+              </a:ext>
+            </a:extLst>
+          </p:cNvPr>
+          <p:cNvGraphicFramePr>
+            <a:graphicFrameLocks noGrp="1"/>
+          </p:cNvGraphicFramePr>
+          <p:nvPr>
+            <p:extLst>
+              <p:ext uri="{D42A27DB-BD31-4B8C-83A1-F6EECF244321}">
+                <p14:modId xmlns:p14="http://schemas.microsoft.com/office/powerpoint/2010/main" val="2666350709"/>
+              </p:ext>
+            </p:extLst>
+          </p:nvPr>
+        </p:nvGraphicFramePr>
+        <p:xfrm>
+          <a:off x="1978990" y="1460500"/>
+          <a:ext cx="7606030" cy="3937000"/>
+        </p:xfrm>
+        <a:graphic>
+          <a:graphicData uri="http://schemas.openxmlformats.org/drawingml/2006/table">
+            <a:tbl>
+              <a:tblPr firstRow="1" bandRow="1">
+                <a:tableStyleId>{5940675A-B579-460E-94D1-54222C63F5DA}</a:tableStyleId>
+              </a:tblPr>
+              <a:tblGrid>
+                <a:gridCol w="1510030">
+                  <a:extLst>
+                    <a:ext uri="{9D8B030D-6E8A-4147-A177-3AD203B41FA5}">
+                      <a16:colId xmlns:a16="http://schemas.microsoft.com/office/drawing/2014/main" val="3972186471"/>
+                    </a:ext>
+                  </a:extLst>
+                </a:gridCol>
+                <a:gridCol w="2032000">
+                  <a:extLst>
+                    <a:ext uri="{9D8B030D-6E8A-4147-A177-3AD203B41FA5}">
+                      <a16:colId xmlns:a16="http://schemas.microsoft.com/office/drawing/2014/main" val="3491258574"/>
+                    </a:ext>
+                  </a:extLst>
+                </a:gridCol>
+                <a:gridCol w="2032000">
+                  <a:extLst>
+                    <a:ext uri="{9D8B030D-6E8A-4147-A177-3AD203B41FA5}">
+                      <a16:colId xmlns:a16="http://schemas.microsoft.com/office/drawing/2014/main" val="3766801934"/>
+                    </a:ext>
+                  </a:extLst>
+                </a:gridCol>
+                <a:gridCol w="2032000">
+                  <a:extLst>
+                    <a:ext uri="{9D8B030D-6E8A-4147-A177-3AD203B41FA5}">
+                      <a16:colId xmlns:a16="http://schemas.microsoft.com/office/drawing/2014/main" val="1800072490"/>
+                    </a:ext>
+                  </a:extLst>
+                </a:gridCol>
+              </a:tblGrid>
+              <a:tr h="370840">
+                <a:tc gridSpan="4">
+                  <a:txBody>
+                    <a:bodyPr/>
+                    <a:lstStyle/>
+                    <a:p>
+                      <a:pPr algn="ctr"/>
+                      <a:endParaRPr lang="en-US" sz="1400" dirty="0">
+                        <a:latin typeface="Arial" panose="020B0604020202020204" pitchFamily="34" charset="0"/>
+                        <a:cs typeface="Arial" panose="020B0604020202020204" pitchFamily="34" charset="0"/>
+                      </a:endParaRPr>
+                    </a:p>
+                    <a:p>
+                      <a:pPr algn="ctr"/>
+                      <a:endParaRPr lang="en-US" sz="1400" dirty="0">
+                        <a:latin typeface="Arial" panose="020B0604020202020204" pitchFamily="34" charset="0"/>
+                        <a:cs typeface="Arial" panose="020B0604020202020204" pitchFamily="34" charset="0"/>
+                      </a:endParaRPr>
+                    </a:p>
+                    <a:p>
+                      <a:pPr algn="ctr"/>
+                      <a:endParaRPr lang="en-US" sz="1400" dirty="0">
+                        <a:latin typeface="Arial" panose="020B0604020202020204" pitchFamily="34" charset="0"/>
+                        <a:cs typeface="Arial" panose="020B0604020202020204" pitchFamily="34" charset="0"/>
+                      </a:endParaRPr>
+                    </a:p>
+                    <a:p>
+                      <a:pPr algn="ctr"/>
+                      <a:endParaRPr lang="en-US" sz="1400" dirty="0">
+                        <a:latin typeface="Arial" panose="020B0604020202020204" pitchFamily="34" charset="0"/>
+                        <a:cs typeface="Arial" panose="020B0604020202020204" pitchFamily="34" charset="0"/>
+                      </a:endParaRPr>
+                    </a:p>
+                  </a:txBody>
+                  <a:tcPr/>
+                </a:tc>
+                <a:tc hMerge="1">
+                  <a:txBody>
+                    <a:bodyPr/>
+                    <a:lstStyle/>
+                    <a:p>
+                      <a:endParaRPr lang="en-US" dirty="0"/>
+                    </a:p>
+                  </a:txBody>
+                  <a:tcPr/>
+                </a:tc>
+                <a:tc hMerge="1">
+                  <a:txBody>
+                    <a:bodyPr/>
+                    <a:lstStyle/>
+                    <a:p>
+                      <a:endParaRPr lang="en-US" dirty="0"/>
+                    </a:p>
+                  </a:txBody>
+                  <a:tcPr/>
+                </a:tc>
+                <a:tc hMerge="1">
+                  <a:txBody>
+                    <a:bodyPr/>
+                    <a:lstStyle/>
+                    <a:p>
+                      <a:endParaRPr lang="en-US" dirty="0"/>
+                    </a:p>
+                  </a:txBody>
+                  <a:tcPr/>
+                </a:tc>
+                <a:extLst>
+                  <a:ext uri="{0D108BD9-81ED-4DB2-BD59-A6C34878D82A}">
+                    <a16:rowId xmlns:a16="http://schemas.microsoft.com/office/drawing/2014/main" val="3176645019"/>
+                  </a:ext>
+                </a:extLst>
+              </a:tr>
+              <a:tr h="370840">
+                <a:tc>
+                  <a:txBody>
+                    <a:bodyPr/>
+                    <a:lstStyle/>
+                    <a:p>
+                      <a:pPr algn="ctr"/>
+                      <a:r>
+                        <a:rPr lang="en-US" sz="1400" b="1" dirty="0">
+                          <a:latin typeface="Arial" panose="020B0604020202020204" pitchFamily="34" charset="0"/>
+                          <a:cs typeface="Arial" panose="020B0604020202020204" pitchFamily="34" charset="0"/>
+                        </a:rPr>
+                        <a:t>Notebook page</a:t>
+                      </a:r>
+                    </a:p>
+                  </a:txBody>
+                  <a:tcPr anchor="ctr">
+                    <a:solidFill>
+                      <a:schemeClr val="accent6">
+                        <a:lumMod val="40000"/>
+                        <a:lumOff val="60000"/>
+                      </a:schemeClr>
+                    </a:solidFill>
+                  </a:tcPr>
+                </a:tc>
+                <a:tc>
+                  <a:txBody>
+                    <a:bodyPr/>
+                    <a:lstStyle/>
+                    <a:p>
+                      <a:pPr algn="ctr"/>
+                      <a:r>
+                        <a:rPr lang="en-US" sz="1400" b="1" dirty="0" err="1">
+                          <a:latin typeface="Arial" panose="020B0604020202020204" pitchFamily="34" charset="0"/>
+                          <a:cs typeface="Arial" panose="020B0604020202020204" pitchFamily="34" charset="0"/>
+                        </a:rPr>
+                        <a:t>Ar</a:t>
+                      </a:r>
+                      <a:r>
+                        <a:rPr lang="en-US" sz="1400" b="1" dirty="0">
+                          <a:latin typeface="Arial" panose="020B0604020202020204" pitchFamily="34" charset="0"/>
+                          <a:cs typeface="Arial" panose="020B0604020202020204" pitchFamily="34" charset="0"/>
+                        </a:rPr>
+                        <a:t>-Br</a:t>
+                      </a:r>
+                    </a:p>
+                  </a:txBody>
+                  <a:tcPr anchor="ctr">
+                    <a:solidFill>
+                      <a:schemeClr val="accent6">
+                        <a:lumMod val="40000"/>
+                        <a:lumOff val="60000"/>
+                      </a:schemeClr>
+                    </a:solidFill>
+                  </a:tcPr>
+                </a:tc>
+                <a:tc>
+                  <a:txBody>
+                    <a:bodyPr/>
+                    <a:lstStyle/>
+                    <a:p>
+                      <a:pPr algn="ctr"/>
+                      <a:r>
+                        <a:rPr lang="en-US" sz="1400" b="1" dirty="0" err="1">
+                          <a:latin typeface="Arial" panose="020B0604020202020204" pitchFamily="34" charset="0"/>
+                          <a:cs typeface="Arial" panose="020B0604020202020204" pitchFamily="34" charset="0"/>
+                        </a:rPr>
+                        <a:t>Ar-Bpin</a:t>
+                      </a:r>
+                      <a:endParaRPr lang="en-US" sz="1400" b="1" dirty="0">
+                        <a:latin typeface="Arial" panose="020B0604020202020204" pitchFamily="34" charset="0"/>
+                        <a:cs typeface="Arial" panose="020B0604020202020204" pitchFamily="34" charset="0"/>
+                      </a:endParaRPr>
+                    </a:p>
+                  </a:txBody>
+                  <a:tcPr anchor="ctr">
+                    <a:solidFill>
+                      <a:schemeClr val="accent6">
+                        <a:lumMod val="40000"/>
+                        <a:lumOff val="60000"/>
+                      </a:schemeClr>
+                    </a:solidFill>
+                  </a:tcPr>
+                </a:tc>
+                <a:tc>
+                  <a:txBody>
+                    <a:bodyPr/>
+                    <a:lstStyle/>
+                    <a:p>
+                      <a:pPr algn="ctr"/>
+                      <a:r>
+                        <a:rPr lang="en-US" sz="1400" b="1" dirty="0">
+                          <a:latin typeface="Arial" panose="020B0604020202020204" pitchFamily="34" charset="0"/>
+                          <a:cs typeface="Arial" panose="020B0604020202020204" pitchFamily="34" charset="0"/>
+                        </a:rPr>
+                        <a:t>Results</a:t>
+                      </a:r>
+                    </a:p>
+                  </a:txBody>
+                  <a:tcPr anchor="ctr">
+                    <a:solidFill>
+                      <a:schemeClr val="accent6">
+                        <a:lumMod val="40000"/>
+                        <a:lumOff val="60000"/>
+                      </a:schemeClr>
+                    </a:solidFill>
+                  </a:tcPr>
+                </a:tc>
+                <a:extLst>
+                  <a:ext uri="{0D108BD9-81ED-4DB2-BD59-A6C34878D82A}">
+                    <a16:rowId xmlns:a16="http://schemas.microsoft.com/office/drawing/2014/main" val="3211113102"/>
+                  </a:ext>
+                </a:extLst>
+              </a:tr>
+              <a:tr h="370840">
+                <a:tc>
+                  <a:txBody>
+                    <a:bodyPr/>
+                    <a:lstStyle/>
+                    <a:p>
+                      <a:pPr algn="ctr"/>
+                      <a:r>
+                        <a:rPr lang="en-US" sz="1400" dirty="0">
+                          <a:latin typeface="Arial" panose="020B0604020202020204" pitchFamily="34" charset="0"/>
+                          <a:cs typeface="Arial" panose="020B0604020202020204" pitchFamily="34" charset="0"/>
+                        </a:rPr>
+                        <a:t>DMK127-3</a:t>
+                      </a:r>
+                    </a:p>
+                  </a:txBody>
+                  <a:tcPr anchor="ctr"/>
+                </a:tc>
+                <a:tc>
+                  <a:txBody>
+                    <a:bodyPr/>
+                    <a:lstStyle/>
+                    <a:p>
+                      <a:pPr algn="ctr"/>
+                      <a:endParaRPr lang="en-US" sz="1400" dirty="0">
+                        <a:latin typeface="Arial" panose="020B0604020202020204" pitchFamily="34" charset="0"/>
+                        <a:cs typeface="Arial" panose="020B0604020202020204" pitchFamily="34" charset="0"/>
+                      </a:endParaRPr>
+                    </a:p>
+                    <a:p>
+                      <a:pPr algn="ctr"/>
+                      <a:endParaRPr lang="en-US" sz="1400" dirty="0">
+                        <a:latin typeface="Arial" panose="020B0604020202020204" pitchFamily="34" charset="0"/>
+                        <a:cs typeface="Arial" panose="020B0604020202020204" pitchFamily="34" charset="0"/>
+                      </a:endParaRPr>
+                    </a:p>
+                    <a:p>
+                      <a:pPr algn="ctr"/>
+                      <a:endParaRPr lang="en-US" sz="1400" dirty="0">
+                        <a:latin typeface="Arial" panose="020B0604020202020204" pitchFamily="34" charset="0"/>
+                        <a:cs typeface="Arial" panose="020B0604020202020204" pitchFamily="34" charset="0"/>
+                      </a:endParaRPr>
+                    </a:p>
+                    <a:p>
+                      <a:pPr algn="ctr"/>
+                      <a:endParaRPr lang="en-US" sz="1400" dirty="0">
+                        <a:latin typeface="Arial" panose="020B0604020202020204" pitchFamily="34" charset="0"/>
+                        <a:cs typeface="Arial" panose="020B0604020202020204" pitchFamily="34" charset="0"/>
+                      </a:endParaRPr>
+                    </a:p>
+                  </a:txBody>
+                  <a:tcPr anchor="ctr"/>
+                </a:tc>
+                <a:tc>
+                  <a:txBody>
+                    <a:bodyPr/>
+                    <a:lstStyle/>
+                    <a:p>
+                      <a:pPr algn="ctr"/>
+                      <a:endParaRPr lang="en-US" sz="1400" dirty="0">
+                        <a:latin typeface="Arial" panose="020B0604020202020204" pitchFamily="34" charset="0"/>
+                        <a:cs typeface="Arial" panose="020B0604020202020204" pitchFamily="34" charset="0"/>
+                      </a:endParaRPr>
+                    </a:p>
+                  </a:txBody>
+                  <a:tcPr anchor="ctr"/>
+                </a:tc>
+                <a:tc>
+                  <a:txBody>
+                    <a:bodyPr/>
+                    <a:lstStyle/>
+                    <a:p>
+                      <a:pPr algn="ctr"/>
+                      <a:endParaRPr lang="en-US" sz="1400" dirty="0">
+                        <a:latin typeface="Arial" panose="020B0604020202020204" pitchFamily="34" charset="0"/>
+                        <a:cs typeface="Arial" panose="020B0604020202020204" pitchFamily="34" charset="0"/>
+                      </a:endParaRPr>
+                    </a:p>
+                  </a:txBody>
+                  <a:tcPr anchor="ctr"/>
+                </a:tc>
+                <a:extLst>
+                  <a:ext uri="{0D108BD9-81ED-4DB2-BD59-A6C34878D82A}">
+                    <a16:rowId xmlns:a16="http://schemas.microsoft.com/office/drawing/2014/main" val="449011032"/>
+                  </a:ext>
+                </a:extLst>
+              </a:tr>
+              <a:tr h="370840">
+                <a:tc>
+                  <a:txBody>
+                    <a:bodyPr/>
+                    <a:lstStyle/>
+                    <a:p>
+                      <a:pPr algn="ctr"/>
+                      <a:r>
+                        <a:rPr lang="en-US" sz="1400" dirty="0">
+                          <a:latin typeface="Arial" panose="020B0604020202020204" pitchFamily="34" charset="0"/>
+                          <a:cs typeface="Arial" panose="020B0604020202020204" pitchFamily="34" charset="0"/>
+                        </a:rPr>
+                        <a:t>DMK131-2</a:t>
+                      </a:r>
+                    </a:p>
+                  </a:txBody>
+                  <a:tcPr anchor="ctr"/>
+                </a:tc>
+                <a:tc>
+                  <a:txBody>
+                    <a:bodyPr/>
+                    <a:lstStyle/>
+                    <a:p>
+                      <a:pPr algn="ctr"/>
+                      <a:endParaRPr lang="en-US" sz="1400" dirty="0">
+                        <a:latin typeface="Arial" panose="020B0604020202020204" pitchFamily="34" charset="0"/>
+                        <a:cs typeface="Arial" panose="020B0604020202020204" pitchFamily="34" charset="0"/>
+                      </a:endParaRPr>
+                    </a:p>
+                    <a:p>
+                      <a:pPr algn="ctr"/>
+                      <a:endParaRPr lang="en-US" sz="1400" dirty="0">
+                        <a:latin typeface="Arial" panose="020B0604020202020204" pitchFamily="34" charset="0"/>
+                        <a:cs typeface="Arial" panose="020B0604020202020204" pitchFamily="34" charset="0"/>
+                      </a:endParaRPr>
+                    </a:p>
+                    <a:p>
+                      <a:pPr algn="ctr"/>
+                      <a:endParaRPr lang="en-US" sz="1400" dirty="0">
+                        <a:latin typeface="Arial" panose="020B0604020202020204" pitchFamily="34" charset="0"/>
+                        <a:cs typeface="Arial" panose="020B0604020202020204" pitchFamily="34" charset="0"/>
+                      </a:endParaRPr>
+                    </a:p>
+                  </a:txBody>
+                  <a:tcPr anchor="ctr"/>
+                </a:tc>
+                <a:tc rowSpan="2">
+                  <a:txBody>
+                    <a:bodyPr/>
+                    <a:lstStyle/>
+                    <a:p>
+                      <a:pPr algn="ctr"/>
+                      <a:endParaRPr lang="en-US" sz="1400" dirty="0">
+                        <a:latin typeface="Arial" panose="020B0604020202020204" pitchFamily="34" charset="0"/>
+                        <a:cs typeface="Arial" panose="020B0604020202020204" pitchFamily="34" charset="0"/>
+                      </a:endParaRPr>
+                    </a:p>
+                  </a:txBody>
+                  <a:tcPr anchor="ctr"/>
+                </a:tc>
+                <a:tc>
+                  <a:txBody>
+                    <a:bodyPr/>
+                    <a:lstStyle/>
+                    <a:p>
+                      <a:pPr algn="ctr"/>
+                      <a:r>
+                        <a:rPr lang="en-US" sz="1400" dirty="0">
+                          <a:latin typeface="Arial" panose="020B0604020202020204" pitchFamily="34" charset="0"/>
+                          <a:cs typeface="Arial" panose="020B0604020202020204" pitchFamily="34" charset="0"/>
+                        </a:rPr>
+                        <a:t>Decomposition</a:t>
+                      </a:r>
+                    </a:p>
+                  </a:txBody>
+                  <a:tcPr anchor="ctr"/>
+                </a:tc>
+                <a:extLst>
+                  <a:ext uri="{0D108BD9-81ED-4DB2-BD59-A6C34878D82A}">
+                    <a16:rowId xmlns:a16="http://schemas.microsoft.com/office/drawing/2014/main" val="189932752"/>
+                  </a:ext>
+                </a:extLst>
+              </a:tr>
+              <a:tr h="370840">
+                <a:tc>
+                  <a:txBody>
+                    <a:bodyPr/>
+                    <a:lstStyle/>
+                    <a:p>
+                      <a:pPr algn="ctr"/>
+                      <a:r>
+                        <a:rPr lang="en-US" sz="1400" dirty="0">
+                          <a:latin typeface="Arial" panose="020B0604020202020204" pitchFamily="34" charset="0"/>
+                          <a:cs typeface="Arial" panose="020B0604020202020204" pitchFamily="34" charset="0"/>
+                        </a:rPr>
+                        <a:t>DMK134-1</a:t>
+                      </a:r>
+                    </a:p>
+                  </a:txBody>
+                  <a:tcPr anchor="ctr"/>
+                </a:tc>
+                <a:tc>
+                  <a:txBody>
+                    <a:bodyPr/>
+                    <a:lstStyle/>
+                    <a:p>
+                      <a:pPr algn="ctr"/>
+                      <a:endParaRPr lang="en-US" sz="1400" dirty="0">
+                        <a:latin typeface="Arial" panose="020B0604020202020204" pitchFamily="34" charset="0"/>
+                        <a:cs typeface="Arial" panose="020B0604020202020204" pitchFamily="34" charset="0"/>
+                      </a:endParaRPr>
+                    </a:p>
+                    <a:p>
+                      <a:pPr algn="ctr"/>
+                      <a:endParaRPr lang="en-US" sz="1400" dirty="0">
+                        <a:latin typeface="Arial" panose="020B0604020202020204" pitchFamily="34" charset="0"/>
+                        <a:cs typeface="Arial" panose="020B0604020202020204" pitchFamily="34" charset="0"/>
+                      </a:endParaRPr>
+                    </a:p>
+                    <a:p>
+                      <a:pPr algn="ctr"/>
+                      <a:endParaRPr lang="en-US" sz="1400" dirty="0">
+                        <a:latin typeface="Arial" panose="020B0604020202020204" pitchFamily="34" charset="0"/>
+                        <a:cs typeface="Arial" panose="020B0604020202020204" pitchFamily="34" charset="0"/>
+                      </a:endParaRPr>
+                    </a:p>
+                  </a:txBody>
+                  <a:tcPr anchor="ctr"/>
+                </a:tc>
+                <a:tc vMerge="1">
+                  <a:txBody>
+                    <a:bodyPr/>
+                    <a:lstStyle/>
+                    <a:p>
+                      <a:pPr algn="ctr"/>
+                      <a:endParaRPr lang="en-US" sz="1400" dirty="0">
+                        <a:latin typeface="Arial" panose="020B0604020202020204" pitchFamily="34" charset="0"/>
+                        <a:cs typeface="Arial" panose="020B0604020202020204" pitchFamily="34" charset="0"/>
+                      </a:endParaRPr>
+                    </a:p>
+                  </a:txBody>
+                  <a:tcPr anchor="ctr"/>
+                </a:tc>
+                <a:tc>
+                  <a:txBody>
+                    <a:bodyPr/>
+                    <a:lstStyle/>
+                    <a:p>
+                      <a:pPr algn="ctr"/>
+                      <a:endParaRPr lang="en-US" sz="1400" dirty="0">
+                        <a:latin typeface="Arial" panose="020B0604020202020204" pitchFamily="34" charset="0"/>
+                        <a:cs typeface="Arial" panose="020B0604020202020204" pitchFamily="34" charset="0"/>
+                      </a:endParaRPr>
+                    </a:p>
+                    <a:p>
+                      <a:pPr algn="ctr"/>
+                      <a:endParaRPr lang="en-US" sz="1400" dirty="0">
+                        <a:latin typeface="Arial" panose="020B0604020202020204" pitchFamily="34" charset="0"/>
+                        <a:cs typeface="Arial" panose="020B0604020202020204" pitchFamily="34" charset="0"/>
+                      </a:endParaRPr>
+                    </a:p>
+                    <a:p>
+                      <a:pPr algn="ctr"/>
+                      <a:endParaRPr lang="en-US" sz="1400" dirty="0">
+                        <a:latin typeface="Arial" panose="020B0604020202020204" pitchFamily="34" charset="0"/>
+                        <a:cs typeface="Arial" panose="020B0604020202020204" pitchFamily="34" charset="0"/>
+                      </a:endParaRPr>
+                    </a:p>
+                    <a:p>
+                      <a:pPr algn="ctr"/>
+                      <a:endParaRPr lang="en-US" sz="1400" dirty="0">
+                        <a:latin typeface="Arial" panose="020B0604020202020204" pitchFamily="34" charset="0"/>
+                        <a:cs typeface="Arial" panose="020B0604020202020204" pitchFamily="34" charset="0"/>
+                      </a:endParaRPr>
+                    </a:p>
+                  </a:txBody>
+                  <a:tcPr anchor="ctr"/>
+                </a:tc>
+                <a:extLst>
+                  <a:ext uri="{0D108BD9-81ED-4DB2-BD59-A6C34878D82A}">
+                    <a16:rowId xmlns:a16="http://schemas.microsoft.com/office/drawing/2014/main" val="345665370"/>
+                  </a:ext>
+                </a:extLst>
+              </a:tr>
+            </a:tbl>
+          </a:graphicData>
+        </a:graphic>
+      </p:graphicFrame>
+      <p:graphicFrame>
+        <p:nvGraphicFramePr>
+          <p:cNvPr id="10" name="Object 9">
+            <a:extLst>
+              <a:ext uri="{FF2B5EF4-FFF2-40B4-BE49-F238E27FC236}">
+                <a16:creationId xmlns:a16="http://schemas.microsoft.com/office/drawing/2014/main" id="{5CA440B0-1DE1-CC4E-AF55-44CD9CA1CD33}"/>
+              </a:ext>
+            </a:extLst>
+          </p:cNvPr>
+          <p:cNvGraphicFramePr>
+            <a:graphicFrameLocks noChangeAspect="1"/>
+          </p:cNvGraphicFramePr>
+          <p:nvPr>
+            <p:extLst>
+              <p:ext uri="{D42A27DB-BD31-4B8C-83A1-F6EECF244321}">
+                <p14:modId xmlns:p14="http://schemas.microsoft.com/office/powerpoint/2010/main" val="1824584537"/>
+              </p:ext>
+            </p:extLst>
+          </p:nvPr>
+        </p:nvGraphicFramePr>
+        <p:xfrm>
+          <a:off x="3740261" y="1658954"/>
+          <a:ext cx="3022600" cy="509587"/>
+        </p:xfrm>
+        <a:graphic>
+          <a:graphicData uri="http://schemas.openxmlformats.org/presentationml/2006/ole">
+            <mc:AlternateContent xmlns:mc="http://schemas.openxmlformats.org/markup-compatibility/2006">
+              <mc:Choice xmlns:v="urn:schemas-microsoft-com:vml" Requires="v">
+                <p:oleObj spid="_x0000_s4178" name="CS ChemDraw Drawing" r:id="rId3" imgW="3023201" imgH="510179" progId="ChemDraw.Document.6.0">
+                  <p:embed/>
+                </p:oleObj>
+              </mc:Choice>
+              <mc:Fallback>
+                <p:oleObj name="CS ChemDraw Drawing" r:id="rId3" imgW="3023201" imgH="510179" progId="ChemDraw.Document.6.0">
+                  <p:embed/>
+                  <p:pic>
+                    <p:nvPicPr>
+                      <p:cNvPr id="5" name="Object 4">
+                        <a:extLst>
+                          <a:ext uri="{FF2B5EF4-FFF2-40B4-BE49-F238E27FC236}">
+                            <a16:creationId xmlns:a16="http://schemas.microsoft.com/office/drawing/2014/main" id="{48ED4FDC-EFA4-402E-AC44-7793613819FA}"/>
+                          </a:ext>
+                        </a:extLst>
+                      </p:cNvPr>
+                      <p:cNvPicPr/>
+                      <p:nvPr/>
+                    </p:nvPicPr>
+                    <p:blipFill>
+                      <a:blip r:embed="rId4"/>
+                      <a:stretch>
+                        <a:fillRect/>
+                      </a:stretch>
+                    </p:blipFill>
+                    <p:spPr>
+                      <a:xfrm>
+                        <a:off x="3740261" y="1658954"/>
+                        <a:ext cx="3022600" cy="509587"/>
+                      </a:xfrm>
+                      <a:prstGeom prst="rect">
+                        <a:avLst/>
+                      </a:prstGeom>
+                    </p:spPr>
+                  </p:pic>
+                </p:oleObj>
+              </mc:Fallback>
+            </mc:AlternateContent>
+          </a:graphicData>
+        </a:graphic>
+      </p:graphicFrame>
+      <p:graphicFrame>
+        <p:nvGraphicFramePr>
+          <p:cNvPr id="12" name="Object 11">
+            <a:extLst>
+              <a:ext uri="{FF2B5EF4-FFF2-40B4-BE49-F238E27FC236}">
+                <a16:creationId xmlns:a16="http://schemas.microsoft.com/office/drawing/2014/main" id="{61A033FA-77A3-5E4F-AE27-C21EE6D94B09}"/>
+              </a:ext>
+            </a:extLst>
+          </p:cNvPr>
+          <p:cNvGraphicFramePr>
+            <a:graphicFrameLocks noChangeAspect="1"/>
+          </p:cNvGraphicFramePr>
+          <p:nvPr>
+            <p:extLst>
+              <p:ext uri="{D42A27DB-BD31-4B8C-83A1-F6EECF244321}">
+                <p14:modId xmlns:p14="http://schemas.microsoft.com/office/powerpoint/2010/main" val="2276691598"/>
+              </p:ext>
+            </p:extLst>
+          </p:nvPr>
+        </p:nvGraphicFramePr>
+        <p:xfrm>
+          <a:off x="3850557" y="2873585"/>
+          <a:ext cx="1012825" cy="774700"/>
+        </p:xfrm>
+        <a:graphic>
+          <a:graphicData uri="http://schemas.openxmlformats.org/presentationml/2006/ole">
+            <mc:AlternateContent xmlns:mc="http://schemas.openxmlformats.org/markup-compatibility/2006">
+              <mc:Choice xmlns:v="urn:schemas-microsoft-com:vml" Requires="v">
+                <p:oleObj spid="_x0000_s4179" name="CS ChemDraw Drawing" r:id="rId5" imgW="1013281" imgH="774129" progId="ChemDraw.Document.6.0">
+                  <p:embed/>
+                </p:oleObj>
+              </mc:Choice>
+              <mc:Fallback>
+                <p:oleObj name="CS ChemDraw Drawing" r:id="rId5" imgW="1013281" imgH="774129" progId="ChemDraw.Document.6.0">
+                  <p:embed/>
+                  <p:pic>
+                    <p:nvPicPr>
+                      <p:cNvPr id="6" name="Object 5">
+                        <a:extLst>
+                          <a:ext uri="{FF2B5EF4-FFF2-40B4-BE49-F238E27FC236}">
+                            <a16:creationId xmlns:a16="http://schemas.microsoft.com/office/drawing/2014/main" id="{D03DA300-3AFE-4F82-817E-CA5DF50B0AA1}"/>
+                          </a:ext>
+                        </a:extLst>
+                      </p:cNvPr>
+                      <p:cNvPicPr/>
+                      <p:nvPr/>
+                    </p:nvPicPr>
+                    <p:blipFill>
+                      <a:blip r:embed="rId6"/>
+                      <a:stretch>
+                        <a:fillRect/>
+                      </a:stretch>
+                    </p:blipFill>
+                    <p:spPr>
+                      <a:xfrm>
+                        <a:off x="3850557" y="2873585"/>
+                        <a:ext cx="1012825" cy="774700"/>
+                      </a:xfrm>
+                      <a:prstGeom prst="rect">
+                        <a:avLst/>
+                      </a:prstGeom>
+                    </p:spPr>
+                  </p:pic>
+                </p:oleObj>
+              </mc:Fallback>
+            </mc:AlternateContent>
+          </a:graphicData>
+        </a:graphic>
+      </p:graphicFrame>
+      <p:graphicFrame>
+        <p:nvGraphicFramePr>
+          <p:cNvPr id="14" name="Object 13">
+            <a:extLst>
+              <a:ext uri="{FF2B5EF4-FFF2-40B4-BE49-F238E27FC236}">
+                <a16:creationId xmlns:a16="http://schemas.microsoft.com/office/drawing/2014/main" id="{34E532F0-E3A3-FF47-A070-D2D2AF7BA810}"/>
+              </a:ext>
+            </a:extLst>
+          </p:cNvPr>
+          <p:cNvGraphicFramePr>
+            <a:graphicFrameLocks noChangeAspect="1"/>
+          </p:cNvGraphicFramePr>
+          <p:nvPr>
+            <p:extLst>
+              <p:ext uri="{D42A27DB-BD31-4B8C-83A1-F6EECF244321}">
+                <p14:modId xmlns:p14="http://schemas.microsoft.com/office/powerpoint/2010/main" val="3283961370"/>
+              </p:ext>
+            </p:extLst>
+          </p:nvPr>
+        </p:nvGraphicFramePr>
+        <p:xfrm>
+          <a:off x="5868270" y="2873585"/>
+          <a:ext cx="1274763" cy="819150"/>
+        </p:xfrm>
+        <a:graphic>
+          <a:graphicData uri="http://schemas.openxmlformats.org/presentationml/2006/ole">
+            <mc:AlternateContent xmlns:mc="http://schemas.openxmlformats.org/markup-compatibility/2006">
+              <mc:Choice xmlns:v="urn:schemas-microsoft-com:vml" Requires="v">
+                <p:oleObj spid="_x0000_s4180" name="CS ChemDraw Drawing" r:id="rId7" imgW="1275395" imgH="819378" progId="ChemDraw.Document.6.0">
+                  <p:embed/>
+                </p:oleObj>
+              </mc:Choice>
+              <mc:Fallback>
+                <p:oleObj name="CS ChemDraw Drawing" r:id="rId7" imgW="1275395" imgH="819378" progId="ChemDraw.Document.6.0">
+                  <p:embed/>
+                  <p:pic>
+                    <p:nvPicPr>
+                      <p:cNvPr id="8" name="Object 7">
+                        <a:extLst>
+                          <a:ext uri="{FF2B5EF4-FFF2-40B4-BE49-F238E27FC236}">
+                            <a16:creationId xmlns:a16="http://schemas.microsoft.com/office/drawing/2014/main" id="{977AFA06-B92E-4D2A-92F3-9BB91B61E60D}"/>
+                          </a:ext>
+                        </a:extLst>
+                      </p:cNvPr>
+                      <p:cNvPicPr/>
+                      <p:nvPr/>
+                    </p:nvPicPr>
+                    <p:blipFill>
+                      <a:blip r:embed="rId8"/>
+                      <a:stretch>
+                        <a:fillRect/>
+                      </a:stretch>
+                    </p:blipFill>
+                    <p:spPr>
+                      <a:xfrm>
+                        <a:off x="5868270" y="2873585"/>
+                        <a:ext cx="1274763" cy="819150"/>
+                      </a:xfrm>
+                      <a:prstGeom prst="rect">
+                        <a:avLst/>
+                      </a:prstGeom>
+                    </p:spPr>
+                  </p:pic>
+                </p:oleObj>
+              </mc:Fallback>
+            </mc:AlternateContent>
+          </a:graphicData>
+        </a:graphic>
+      </p:graphicFrame>
+      <p:graphicFrame>
+        <p:nvGraphicFramePr>
+          <p:cNvPr id="15" name="Object 14">
+            <a:extLst>
+              <a:ext uri="{FF2B5EF4-FFF2-40B4-BE49-F238E27FC236}">
+                <a16:creationId xmlns:a16="http://schemas.microsoft.com/office/drawing/2014/main" id="{E78B443E-ABE8-0046-8A62-37E2734316CD}"/>
+              </a:ext>
+            </a:extLst>
+          </p:cNvPr>
+          <p:cNvGraphicFramePr>
+            <a:graphicFrameLocks noChangeAspect="1"/>
+          </p:cNvGraphicFramePr>
+          <p:nvPr>
+            <p:extLst>
+              <p:ext uri="{D42A27DB-BD31-4B8C-83A1-F6EECF244321}">
+                <p14:modId xmlns:p14="http://schemas.microsoft.com/office/powerpoint/2010/main" val="1403473369"/>
+              </p:ext>
+            </p:extLst>
+          </p:nvPr>
+        </p:nvGraphicFramePr>
+        <p:xfrm>
+          <a:off x="8147921" y="2895810"/>
+          <a:ext cx="1012825" cy="774700"/>
+        </p:xfrm>
+        <a:graphic>
+          <a:graphicData uri="http://schemas.openxmlformats.org/presentationml/2006/ole">
+            <mc:AlternateContent xmlns:mc="http://schemas.openxmlformats.org/markup-compatibility/2006">
+              <mc:Choice xmlns:v="urn:schemas-microsoft-com:vml" Requires="v">
+                <p:oleObj spid="_x0000_s4181" name="CS ChemDraw Drawing" r:id="rId9" imgW="1012903" imgH="774129" progId="ChemDraw.Document.6.0">
+                  <p:embed/>
+                </p:oleObj>
+              </mc:Choice>
+              <mc:Fallback>
+                <p:oleObj name="CS ChemDraw Drawing" r:id="rId9" imgW="1012903" imgH="774129" progId="ChemDraw.Document.6.0">
+                  <p:embed/>
+                  <p:pic>
+                    <p:nvPicPr>
+                      <p:cNvPr id="10" name="Object 9">
+                        <a:extLst>
+                          <a:ext uri="{FF2B5EF4-FFF2-40B4-BE49-F238E27FC236}">
+                            <a16:creationId xmlns:a16="http://schemas.microsoft.com/office/drawing/2014/main" id="{40074444-F339-4432-92B2-640FBFA55336}"/>
+                          </a:ext>
+                        </a:extLst>
+                      </p:cNvPr>
+                      <p:cNvPicPr/>
+                      <p:nvPr/>
+                    </p:nvPicPr>
+                    <p:blipFill>
+                      <a:blip r:embed="rId10"/>
+                      <a:stretch>
+                        <a:fillRect/>
+                      </a:stretch>
+                    </p:blipFill>
+                    <p:spPr>
+                      <a:xfrm>
+                        <a:off x="8147921" y="2895810"/>
+                        <a:ext cx="1012825" cy="774700"/>
+                      </a:xfrm>
+                      <a:prstGeom prst="rect">
+                        <a:avLst/>
+                      </a:prstGeom>
+                    </p:spPr>
+                  </p:pic>
+                </p:oleObj>
+              </mc:Fallback>
+            </mc:AlternateContent>
+          </a:graphicData>
+        </a:graphic>
+      </p:graphicFrame>
+      <p:graphicFrame>
+        <p:nvGraphicFramePr>
+          <p:cNvPr id="16" name="Object 15">
+            <a:extLst>
+              <a:ext uri="{FF2B5EF4-FFF2-40B4-BE49-F238E27FC236}">
+                <a16:creationId xmlns:a16="http://schemas.microsoft.com/office/drawing/2014/main" id="{37B07D29-12F8-9F41-8B19-2AD72729FB93}"/>
+              </a:ext>
+            </a:extLst>
+          </p:cNvPr>
+          <p:cNvGraphicFramePr>
+            <a:graphicFrameLocks noChangeAspect="1"/>
+          </p:cNvGraphicFramePr>
+          <p:nvPr>
+            <p:extLst>
+              <p:ext uri="{D42A27DB-BD31-4B8C-83A1-F6EECF244321}">
+                <p14:modId xmlns:p14="http://schemas.microsoft.com/office/powerpoint/2010/main" val="2338906196"/>
+              </p:ext>
+            </p:extLst>
+          </p:nvPr>
+        </p:nvGraphicFramePr>
+        <p:xfrm>
+          <a:off x="3850557" y="3794903"/>
+          <a:ext cx="660400" cy="627063"/>
+        </p:xfrm>
+        <a:graphic>
+          <a:graphicData uri="http://schemas.openxmlformats.org/presentationml/2006/ole">
+            <mc:AlternateContent xmlns:mc="http://schemas.openxmlformats.org/markup-compatibility/2006">
+              <mc:Choice xmlns:v="urn:schemas-microsoft-com:vml" Requires="v">
+                <p:oleObj spid="_x0000_s4182" name="CS ChemDraw Drawing" r:id="rId11" imgW="660770" imgH="627448" progId="ChemDraw.Document.6.0">
+                  <p:embed/>
+                </p:oleObj>
+              </mc:Choice>
+              <mc:Fallback>
+                <p:oleObj name="CS ChemDraw Drawing" r:id="rId11" imgW="660770" imgH="627448" progId="ChemDraw.Document.6.0">
+                  <p:embed/>
+                  <p:pic>
+                    <p:nvPicPr>
+                      <p:cNvPr id="11" name="Object 10">
+                        <a:extLst>
+                          <a:ext uri="{FF2B5EF4-FFF2-40B4-BE49-F238E27FC236}">
+                            <a16:creationId xmlns:a16="http://schemas.microsoft.com/office/drawing/2014/main" id="{54095B8B-C7E6-479C-A49C-3C2DB173E91F}"/>
+                          </a:ext>
+                        </a:extLst>
+                      </p:cNvPr>
+                      <p:cNvPicPr/>
+                      <p:nvPr/>
+                    </p:nvPicPr>
+                    <p:blipFill>
+                      <a:blip r:embed="rId12"/>
+                      <a:stretch>
+                        <a:fillRect/>
+                      </a:stretch>
+                    </p:blipFill>
+                    <p:spPr>
+                      <a:xfrm>
+                        <a:off x="3850557" y="3794903"/>
+                        <a:ext cx="660400" cy="627063"/>
+                      </a:xfrm>
+                      <a:prstGeom prst="rect">
+                        <a:avLst/>
+                      </a:prstGeom>
+                    </p:spPr>
+                  </p:pic>
+                </p:oleObj>
+              </mc:Fallback>
+            </mc:AlternateContent>
+          </a:graphicData>
+        </a:graphic>
+      </p:graphicFrame>
+      <p:graphicFrame>
+        <p:nvGraphicFramePr>
+          <p:cNvPr id="17" name="Object 16">
+            <a:extLst>
+              <a:ext uri="{FF2B5EF4-FFF2-40B4-BE49-F238E27FC236}">
+                <a16:creationId xmlns:a16="http://schemas.microsoft.com/office/drawing/2014/main" id="{F2A1B55B-9106-654B-9624-37C7A197B888}"/>
+              </a:ext>
+            </a:extLst>
+          </p:cNvPr>
+          <p:cNvGraphicFramePr>
+            <a:graphicFrameLocks noChangeAspect="1"/>
+          </p:cNvGraphicFramePr>
+          <p:nvPr>
+            <p:extLst>
+              <p:ext uri="{D42A27DB-BD31-4B8C-83A1-F6EECF244321}">
+                <p14:modId xmlns:p14="http://schemas.microsoft.com/office/powerpoint/2010/main" val="3790940026"/>
+              </p:ext>
+            </p:extLst>
+          </p:nvPr>
+        </p:nvGraphicFramePr>
+        <p:xfrm>
+          <a:off x="3879505" y="4511220"/>
+          <a:ext cx="600075" cy="573087"/>
+        </p:xfrm>
+        <a:graphic>
+          <a:graphicData uri="http://schemas.openxmlformats.org/presentationml/2006/ole">
+            <mc:AlternateContent xmlns:mc="http://schemas.openxmlformats.org/markup-compatibility/2006">
+              <mc:Choice xmlns:v="urn:schemas-microsoft-com:vml" Requires="v">
+                <p:oleObj spid="_x0000_s4183" name="CS ChemDraw Drawing" r:id="rId13" imgW="599875" imgH="572396" progId="ChemDraw.Document.6.0">
+                  <p:embed/>
+                </p:oleObj>
+              </mc:Choice>
+              <mc:Fallback>
+                <p:oleObj name="CS ChemDraw Drawing" r:id="rId13" imgW="599875" imgH="572396" progId="ChemDraw.Document.6.0">
+                  <p:embed/>
+                  <p:pic>
+                    <p:nvPicPr>
+                      <p:cNvPr id="13" name="Object 12">
+                        <a:extLst>
+                          <a:ext uri="{FF2B5EF4-FFF2-40B4-BE49-F238E27FC236}">
+                            <a16:creationId xmlns:a16="http://schemas.microsoft.com/office/drawing/2014/main" id="{FF605075-352B-4A01-BA03-E5D0E7D9B147}"/>
+                          </a:ext>
+                        </a:extLst>
+                      </p:cNvPr>
+                      <p:cNvPicPr/>
+                      <p:nvPr/>
+                    </p:nvPicPr>
+                    <p:blipFill>
+                      <a:blip r:embed="rId14"/>
+                      <a:stretch>
+                        <a:fillRect/>
+                      </a:stretch>
+                    </p:blipFill>
+                    <p:spPr>
+                      <a:xfrm>
+                        <a:off x="3879505" y="4511220"/>
+                        <a:ext cx="600075" cy="573087"/>
+                      </a:xfrm>
+                      <a:prstGeom prst="rect">
+                        <a:avLst/>
+                      </a:prstGeom>
+                    </p:spPr>
+                  </p:pic>
+                </p:oleObj>
+              </mc:Fallback>
+            </mc:AlternateContent>
+          </a:graphicData>
+        </a:graphic>
+      </p:graphicFrame>
+      <p:graphicFrame>
+        <p:nvGraphicFramePr>
+          <p:cNvPr id="18" name="Object 17">
+            <a:extLst>
+              <a:ext uri="{FF2B5EF4-FFF2-40B4-BE49-F238E27FC236}">
+                <a16:creationId xmlns:a16="http://schemas.microsoft.com/office/drawing/2014/main" id="{1641D290-1FB0-304E-B1F8-69EBA12C7D40}"/>
+              </a:ext>
+            </a:extLst>
+          </p:cNvPr>
+          <p:cNvGraphicFramePr>
+            <a:graphicFrameLocks noChangeAspect="1"/>
+          </p:cNvGraphicFramePr>
+          <p:nvPr>
+            <p:extLst>
+              <p:ext uri="{D42A27DB-BD31-4B8C-83A1-F6EECF244321}">
+                <p14:modId xmlns:p14="http://schemas.microsoft.com/office/powerpoint/2010/main" val="922112779"/>
+              </p:ext>
+            </p:extLst>
+          </p:nvPr>
+        </p:nvGraphicFramePr>
+        <p:xfrm>
+          <a:off x="6008763" y="4021122"/>
+          <a:ext cx="993775" cy="801687"/>
+        </p:xfrm>
+        <a:graphic>
+          <a:graphicData uri="http://schemas.openxmlformats.org/presentationml/2006/ole">
+            <mc:AlternateContent xmlns:mc="http://schemas.openxmlformats.org/markup-compatibility/2006">
+              <mc:Choice xmlns:v="urn:schemas-microsoft-com:vml" Requires="v">
+                <p:oleObj spid="_x0000_s4184" name="CS ChemDraw Drawing" r:id="rId15" imgW="993235" imgH="801278" progId="ChemDraw.Document.6.0">
+                  <p:embed/>
+                </p:oleObj>
+              </mc:Choice>
+              <mc:Fallback>
+                <p:oleObj name="CS ChemDraw Drawing" r:id="rId15" imgW="993235" imgH="801278" progId="ChemDraw.Document.6.0">
+                  <p:embed/>
+                  <p:pic>
+                    <p:nvPicPr>
+                      <p:cNvPr id="14" name="Object 13">
+                        <a:extLst>
+                          <a:ext uri="{FF2B5EF4-FFF2-40B4-BE49-F238E27FC236}">
+                            <a16:creationId xmlns:a16="http://schemas.microsoft.com/office/drawing/2014/main" id="{81D8F6DE-E087-448C-BBAE-8C86772C158A}"/>
+                          </a:ext>
+                        </a:extLst>
+                      </p:cNvPr>
+                      <p:cNvPicPr/>
+                      <p:nvPr/>
+                    </p:nvPicPr>
+                    <p:blipFill>
+                      <a:blip r:embed="rId16"/>
+                      <a:stretch>
+                        <a:fillRect/>
+                      </a:stretch>
+                    </p:blipFill>
+                    <p:spPr>
+                      <a:xfrm>
+                        <a:off x="6008763" y="4021122"/>
+                        <a:ext cx="993775" cy="801687"/>
+                      </a:xfrm>
+                      <a:prstGeom prst="rect">
+                        <a:avLst/>
+                      </a:prstGeom>
+                    </p:spPr>
+                  </p:pic>
+                </p:oleObj>
+              </mc:Fallback>
+            </mc:AlternateContent>
+          </a:graphicData>
+        </a:graphic>
+      </p:graphicFrame>
+      <p:graphicFrame>
+        <p:nvGraphicFramePr>
+          <p:cNvPr id="19" name="Object 18">
+            <a:extLst>
+              <a:ext uri="{FF2B5EF4-FFF2-40B4-BE49-F238E27FC236}">
+                <a16:creationId xmlns:a16="http://schemas.microsoft.com/office/drawing/2014/main" id="{0450CB93-D3E8-1547-BB01-2E7A048D8783}"/>
+              </a:ext>
+            </a:extLst>
+          </p:cNvPr>
+          <p:cNvGraphicFramePr>
+            <a:graphicFrameLocks noChangeAspect="1"/>
+          </p:cNvGraphicFramePr>
+          <p:nvPr>
+            <p:extLst>
+              <p:ext uri="{D42A27DB-BD31-4B8C-83A1-F6EECF244321}">
+                <p14:modId xmlns:p14="http://schemas.microsoft.com/office/powerpoint/2010/main" val="1298902641"/>
+              </p:ext>
+            </p:extLst>
+          </p:nvPr>
+        </p:nvGraphicFramePr>
+        <p:xfrm>
+          <a:off x="8113878" y="4481243"/>
+          <a:ext cx="830263" cy="911225"/>
+        </p:xfrm>
+        <a:graphic>
+          <a:graphicData uri="http://schemas.openxmlformats.org/presentationml/2006/ole">
+            <mc:AlternateContent xmlns:mc="http://schemas.openxmlformats.org/markup-compatibility/2006">
+              <mc:Choice xmlns:v="urn:schemas-microsoft-com:vml" Requires="v">
+                <p:oleObj spid="_x0000_s4185" name="CS ChemDraw Drawing" r:id="rId17" imgW="830217" imgH="911006" progId="ChemDraw.Document.6.0">
+                  <p:embed/>
+                </p:oleObj>
+              </mc:Choice>
+              <mc:Fallback>
+                <p:oleObj name="CS ChemDraw Drawing" r:id="rId17" imgW="830217" imgH="911006" progId="ChemDraw.Document.6.0">
+                  <p:embed/>
+                  <p:pic>
+                    <p:nvPicPr>
+                      <p:cNvPr id="15" name="Object 14">
+                        <a:extLst>
+                          <a:ext uri="{FF2B5EF4-FFF2-40B4-BE49-F238E27FC236}">
+                            <a16:creationId xmlns:a16="http://schemas.microsoft.com/office/drawing/2014/main" id="{FD6E3518-0D3B-4540-85F0-D408E513A83B}"/>
+                          </a:ext>
+                        </a:extLst>
+                      </p:cNvPr>
+                      <p:cNvPicPr/>
+                      <p:nvPr/>
+                    </p:nvPicPr>
+                    <p:blipFill>
+                      <a:blip r:embed="rId18"/>
+                      <a:stretch>
+                        <a:fillRect/>
+                      </a:stretch>
+                    </p:blipFill>
+                    <p:spPr>
+                      <a:xfrm>
+                        <a:off x="8113878" y="4481243"/>
+                        <a:ext cx="830263" cy="911225"/>
+                      </a:xfrm>
+                      <a:prstGeom prst="rect">
+                        <a:avLst/>
+                      </a:prstGeom>
+                    </p:spPr>
+                  </p:pic>
+                </p:oleObj>
+              </mc:Fallback>
+            </mc:AlternateContent>
+          </a:graphicData>
+        </a:graphic>
+      </p:graphicFrame>
+      <p:graphicFrame>
+        <p:nvGraphicFramePr>
+          <p:cNvPr id="20" name="Object 19">
+            <a:extLst>
+              <a:ext uri="{FF2B5EF4-FFF2-40B4-BE49-F238E27FC236}">
+                <a16:creationId xmlns:a16="http://schemas.microsoft.com/office/drawing/2014/main" id="{20A51E8B-867C-D648-BA35-6AA854C19BC1}"/>
+              </a:ext>
+            </a:extLst>
+          </p:cNvPr>
+          <p:cNvGraphicFramePr>
+            <a:graphicFrameLocks noChangeAspect="1"/>
+          </p:cNvGraphicFramePr>
+          <p:nvPr>
+            <p:extLst>
+              <p:ext uri="{D42A27DB-BD31-4B8C-83A1-F6EECF244321}">
+                <p14:modId xmlns:p14="http://schemas.microsoft.com/office/powerpoint/2010/main" val="818582425"/>
+              </p:ext>
+            </p:extLst>
+          </p:nvPr>
+        </p:nvGraphicFramePr>
+        <p:xfrm>
+          <a:off x="8476007" y="1465521"/>
+          <a:ext cx="1006475" cy="989013"/>
+        </p:xfrm>
+        <a:graphic>
+          <a:graphicData uri="http://schemas.openxmlformats.org/presentationml/2006/ole">
+            <mc:AlternateContent xmlns:mc="http://schemas.openxmlformats.org/markup-compatibility/2006">
+              <mc:Choice xmlns:v="urn:schemas-microsoft-com:vml" Requires="v">
+                <p:oleObj spid="_x0000_s4186" name="CS ChemDraw Drawing" r:id="rId19" imgW="1006851" imgH="988683" progId="ChemDraw.Document.6.0">
+                  <p:embed/>
+                </p:oleObj>
+              </mc:Choice>
+              <mc:Fallback>
+                <p:oleObj name="CS ChemDraw Drawing" r:id="rId19" imgW="1006851" imgH="988683" progId="ChemDraw.Document.6.0">
+                  <p:embed/>
+                  <p:pic>
+                    <p:nvPicPr>
+                      <p:cNvPr id="17" name="Object 16">
+                        <a:extLst>
+                          <a:ext uri="{FF2B5EF4-FFF2-40B4-BE49-F238E27FC236}">
+                            <a16:creationId xmlns:a16="http://schemas.microsoft.com/office/drawing/2014/main" id="{793EB335-BB74-4D92-9F63-09307C1BD4BF}"/>
+                          </a:ext>
+                        </a:extLst>
+                      </p:cNvPr>
+                      <p:cNvPicPr/>
+                      <p:nvPr/>
+                    </p:nvPicPr>
+                    <p:blipFill>
+                      <a:blip r:embed="rId20"/>
+                      <a:stretch>
+                        <a:fillRect/>
+                      </a:stretch>
+                    </p:blipFill>
+                    <p:spPr>
+                      <a:xfrm>
+                        <a:off x="8476007" y="1465521"/>
+                        <a:ext cx="1006475" cy="989013"/>
+                      </a:xfrm>
+                      <a:prstGeom prst="rect">
+                        <a:avLst/>
+                      </a:prstGeom>
+                    </p:spPr>
+                  </p:pic>
+                </p:oleObj>
+              </mc:Fallback>
+            </mc:AlternateContent>
+          </a:graphicData>
+        </a:graphic>
+      </p:graphicFrame>
+    </p:spTree>
+    <p:extLst>
+      <p:ext uri="{BB962C8B-B14F-4D97-AF65-F5344CB8AC3E}">
+        <p14:creationId xmlns:p14="http://schemas.microsoft.com/office/powerpoint/2010/main" val="2226914065"/>
+      </p:ext>
+    </p:extLst>
+  </p:cSld>
+  <p:clrMapOvr>
+    <a:masterClrMapping/>
+  </p:clrMapOvr>
+</p:sld>
+</file>
+
+<file path=ppt/slides/slide9.xml><?xml version="1.0" encoding="utf-8"?>
+<p:sld xmlns:a="http://schemas.openxmlformats.org/drawingml/2006/main" xmlns:r="http://schemas.openxmlformats.org/officeDocument/2006/relationships" xmlns:p="http://schemas.openxmlformats.org/presentationml/2006/main">
+  <p:cSld>
+    <p:spTree>
+      <p:nvGrpSpPr>
+        <p:cNvPr id="1" name=""/>
+        <p:cNvGrpSpPr/>
+        <p:nvPr/>
+      </p:nvGrpSpPr>
+      <p:grpSpPr>
+        <a:xfrm>
+          <a:off x="0" y="0"/>
+          <a:ext cx="0" cy="0"/>
+          <a:chOff x="0" y="0"/>
+          <a:chExt cx="0" cy="0"/>
+        </a:xfrm>
+      </p:grpSpPr>
+      <p:sp>
+        <p:nvSpPr>
+          <p:cNvPr id="4" name="Title 3">
+            <a:extLst>
+              <a:ext uri="{FF2B5EF4-FFF2-40B4-BE49-F238E27FC236}">
+                <a16:creationId xmlns:a16="http://schemas.microsoft.com/office/drawing/2014/main" id="{13518B52-96A8-4639-BDF2-BB670311E5A2}"/>
+              </a:ext>
+            </a:extLst>
+          </p:cNvPr>
+          <p:cNvSpPr>
+            <a:spLocks noGrp="1"/>
+          </p:cNvSpPr>
+          <p:nvPr>
+            <p:ph type="title"/>
+          </p:nvPr>
+        </p:nvSpPr>
+        <p:spPr>
+          <a:xfrm>
+            <a:off x="0" y="0"/>
+            <a:ext cx="12192000" cy="980661"/>
+          </a:xfrm>
+          <a:solidFill>
+            <a:schemeClr val="accent6">
+              <a:lumMod val="20000"/>
+              <a:lumOff val="80000"/>
+            </a:schemeClr>
+          </a:solidFill>
+        </p:spPr>
+        <p:txBody>
+          <a:bodyPr/>
+          <a:lstStyle/>
+          <a:p>
+            <a:r>
+              <a:rPr lang="en-US" dirty="0"/>
+              <a:t>OSA Series 2: Chemistry Update 11/9/20</a:t>
+            </a:r>
+          </a:p>
+        </p:txBody>
+      </p:sp>
+      <p:sp>
+        <p:nvSpPr>
+          <p:cNvPr id="7" name="TextBox 6">
+            <a:extLst>
+              <a:ext uri="{FF2B5EF4-FFF2-40B4-BE49-F238E27FC236}">
+                <a16:creationId xmlns:a16="http://schemas.microsoft.com/office/drawing/2014/main" id="{73939973-1532-43F5-BB0F-25AEEDB8EEFF}"/>
+              </a:ext>
+            </a:extLst>
+          </p:cNvPr>
+          <p:cNvSpPr txBox="1"/>
+          <p:nvPr/>
+        </p:nvSpPr>
+        <p:spPr>
+          <a:xfrm>
+            <a:off x="0" y="6395313"/>
+            <a:ext cx="1472647" cy="369332"/>
+          </a:xfrm>
+          <a:prstGeom prst="rect">
+            <a:avLst/>
+          </a:prstGeom>
+          <a:noFill/>
+        </p:spPr>
+        <p:txBody>
+          <a:bodyPr wrap="none" rtlCol="0">
+            <a:spAutoFit/>
+          </a:bodyPr>
+          <a:lstStyle/>
+          <a:p>
+            <a:r>
+              <a:rPr lang="en-US" dirty="0"/>
+              <a:t>D. Klug, E. </a:t>
+            </a:r>
+            <a:r>
+              <a:rPr lang="en-US" dirty="0" err="1"/>
+              <a:t>Tse</a:t>
+            </a:r>
+            <a:endParaRPr lang="en-US" dirty="0"/>
+          </a:p>
+        </p:txBody>
+      </p:sp>
+      <p:pic>
+        <p:nvPicPr>
+          <p:cNvPr id="3" name="Picture 2">
+            <a:extLst>
+              <a:ext uri="{FF2B5EF4-FFF2-40B4-BE49-F238E27FC236}">
+                <a16:creationId xmlns:a16="http://schemas.microsoft.com/office/drawing/2014/main" id="{944D7AD5-CF72-7442-9437-FE767FC1E442}"/>
+              </a:ext>
+            </a:extLst>
+          </p:cNvPr>
+          <p:cNvPicPr>
+            <a:picLocks noChangeAspect="1"/>
+          </p:cNvPicPr>
+          <p:nvPr/>
+        </p:nvPicPr>
+        <p:blipFill>
+          <a:blip r:embed="rId2"/>
+          <a:stretch>
+            <a:fillRect/>
+          </a:stretch>
+        </p:blipFill>
+        <p:spPr>
+          <a:xfrm>
+            <a:off x="1209721" y="2151453"/>
+            <a:ext cx="5868022" cy="1995363"/>
+          </a:xfrm>
+          <a:prstGeom prst="rect">
+            <a:avLst/>
+          </a:prstGeom>
+        </p:spPr>
+      </p:pic>
+      <p:sp>
+        <p:nvSpPr>
+          <p:cNvPr id="5" name="Cross 4">
+            <a:extLst>
+              <a:ext uri="{FF2B5EF4-FFF2-40B4-BE49-F238E27FC236}">
+                <a16:creationId xmlns:a16="http://schemas.microsoft.com/office/drawing/2014/main" id="{D4660EB7-9A33-5B4A-BE2F-D748E323F4F2}"/>
+              </a:ext>
+            </a:extLst>
+          </p:cNvPr>
+          <p:cNvSpPr/>
+          <p:nvPr/>
+        </p:nvSpPr>
+        <p:spPr>
+          <a:xfrm rot="2700000">
+            <a:off x="4081411" y="2237142"/>
+            <a:ext cx="1388395" cy="1388395"/>
+          </a:xfrm>
+          <a:prstGeom prst="plus">
+            <a:avLst>
+              <a:gd name="adj" fmla="val 49516"/>
+            </a:avLst>
+          </a:prstGeom>
+          <a:ln>
+            <a:solidFill>
+              <a:srgbClr val="FF0000"/>
+            </a:solidFill>
+          </a:ln>
+        </p:spPr>
+        <p:style>
+          <a:lnRef idx="2">
+            <a:schemeClr val="accent1">
+              <a:shade val="50000"/>
+            </a:schemeClr>
+          </a:lnRef>
+          <a:fillRef idx="1">
+            <a:schemeClr val="accent1"/>
+          </a:fillRef>
+          <a:effectRef idx="0">
+            <a:schemeClr val="accent1"/>
+          </a:effectRef>
+          <a:fontRef idx="minor">
+            <a:schemeClr val="lt1"/>
+          </a:fontRef>
+        </p:style>
+        <p:txBody>
+          <a:bodyPr rtlCol="0" anchor="ctr"/>
+          <a:lstStyle/>
+          <a:p>
+            <a:pPr algn="ctr"/>
+            <a:endParaRPr lang="en-US" dirty="0"/>
+          </a:p>
+        </p:txBody>
+      </p:sp>
+      <p:pic>
+        <p:nvPicPr>
+          <p:cNvPr id="6" name="Picture 5">
+            <a:extLst>
+              <a:ext uri="{FF2B5EF4-FFF2-40B4-BE49-F238E27FC236}">
+                <a16:creationId xmlns:a16="http://schemas.microsoft.com/office/drawing/2014/main" id="{E6C74B7B-FB07-304C-A42C-301E42DCCC8B}"/>
+              </a:ext>
+            </a:extLst>
+          </p:cNvPr>
+          <p:cNvPicPr>
+            <a:picLocks noChangeAspect="1"/>
+          </p:cNvPicPr>
+          <p:nvPr/>
+        </p:nvPicPr>
+        <p:blipFill>
+          <a:blip r:embed="rId3"/>
+          <a:stretch>
+            <a:fillRect/>
+          </a:stretch>
+        </p:blipFill>
+        <p:spPr>
+          <a:xfrm>
+            <a:off x="9457607" y="2151453"/>
+            <a:ext cx="1460500" cy="3225800"/>
+          </a:xfrm>
+          <a:prstGeom prst="rect">
+            <a:avLst/>
+          </a:prstGeom>
+        </p:spPr>
+      </p:pic>
+      <p:pic>
+        <p:nvPicPr>
+          <p:cNvPr id="10" name="Picture 9">
+            <a:extLst>
+              <a:ext uri="{FF2B5EF4-FFF2-40B4-BE49-F238E27FC236}">
+                <a16:creationId xmlns:a16="http://schemas.microsoft.com/office/drawing/2014/main" id="{82288FDD-E979-7541-AFD0-909AFAEA12E4}"/>
+              </a:ext>
+            </a:extLst>
+          </p:cNvPr>
+          <p:cNvPicPr>
+            <a:picLocks noChangeAspect="1"/>
+          </p:cNvPicPr>
+          <p:nvPr/>
+        </p:nvPicPr>
+        <p:blipFill>
+          <a:blip r:embed="rId4"/>
+          <a:stretch>
+            <a:fillRect/>
+          </a:stretch>
+        </p:blipFill>
+        <p:spPr>
+          <a:xfrm>
+            <a:off x="2263364" y="4373757"/>
+            <a:ext cx="4610100" cy="2222500"/>
+          </a:xfrm>
+          <a:prstGeom prst="rect">
+            <a:avLst/>
+          </a:prstGeom>
+        </p:spPr>
+      </p:pic>
+    </p:spTree>
+    <p:extLst>
+      <p:ext uri="{BB962C8B-B14F-4D97-AF65-F5344CB8AC3E}">
+        <p14:creationId xmlns:p14="http://schemas.microsoft.com/office/powerpoint/2010/main" val="2840214723"/>
       </p:ext>
     </p:extLst>
   </p:cSld>
